--- a/docs/Architecture.pptx
+++ b/docs/Architecture.pptx
@@ -3798,8 +3798,8 @@
         </p:nvSpPr>
         <p:spPr>
           <a:xfrm>
-            <a:off x="620486" y="1287623"/>
-            <a:ext cx="3620299" cy="4324740"/>
+            <a:off x="381700" y="1370728"/>
+            <a:ext cx="4366748" cy="3005093"/>
           </a:xfrm>
           <a:prstGeom prst="roundRect">
             <a:avLst>
@@ -3844,7 +3844,7 @@
                   </a:schemeClr>
                 </a:solidFill>
               </a:rPr>
-              <a:t>Offline</a:t>
+              <a:t>Offline, run manually</a:t>
             </a:r>
             <a:endParaRPr lang="en-GB" sz="1400" dirty="0">
               <a:solidFill>
@@ -3871,7 +3871,7 @@
         </p:nvSpPr>
         <p:spPr>
           <a:xfrm>
-            <a:off x="4656220" y="676469"/>
+            <a:off x="4973461" y="783771"/>
             <a:ext cx="5374187" cy="4935894"/>
           </a:xfrm>
           <a:prstGeom prst="roundRect">
@@ -3941,7 +3941,7 @@
         </p:nvSpPr>
         <p:spPr>
           <a:xfrm>
-            <a:off x="5186096" y="3405763"/>
+            <a:off x="6783480" y="3619711"/>
             <a:ext cx="1733515" cy="1982665"/>
           </a:xfrm>
           <a:prstGeom prst="roundRect">
@@ -4015,7 +4015,7 @@
         </p:nvSpPr>
         <p:spPr>
           <a:xfrm>
-            <a:off x="5405470" y="3803966"/>
+            <a:off x="7002854" y="4017914"/>
             <a:ext cx="1294768" cy="425901"/>
           </a:xfrm>
           <a:prstGeom prst="rect">
@@ -4085,7 +4085,7 @@
         </p:nvSpPr>
         <p:spPr>
           <a:xfrm>
-            <a:off x="5405470" y="4361627"/>
+            <a:off x="7002854" y="4575575"/>
             <a:ext cx="1294768" cy="425901"/>
           </a:xfrm>
           <a:prstGeom prst="rect">
@@ -4158,7 +4158,7 @@
         </p:nvSpPr>
         <p:spPr>
           <a:xfrm>
-            <a:off x="5405470" y="4919288"/>
+            <a:off x="7002854" y="5133236"/>
             <a:ext cx="1294768" cy="304941"/>
           </a:xfrm>
           <a:prstGeom prst="rect">
@@ -4225,7 +4225,7 @@
         </p:nvSpPr>
         <p:spPr>
           <a:xfrm>
-            <a:off x="4930508" y="1086381"/>
+            <a:off x="5247749" y="1193683"/>
             <a:ext cx="4814059" cy="1054996"/>
           </a:xfrm>
           <a:prstGeom prst="roundRect">
@@ -4299,7 +4299,7 @@
         </p:nvSpPr>
         <p:spPr>
           <a:xfrm>
-            <a:off x="5186096" y="1414688"/>
+            <a:off x="5503337" y="1521990"/>
             <a:ext cx="1294768" cy="481687"/>
           </a:xfrm>
           <a:prstGeom prst="rect">
@@ -4364,7 +4364,7 @@
         </p:nvSpPr>
         <p:spPr>
           <a:xfrm>
-            <a:off x="8185130" y="1414688"/>
+            <a:off x="8502371" y="1521990"/>
             <a:ext cx="1294768" cy="481687"/>
           </a:xfrm>
           <a:prstGeom prst="rect">
@@ -4433,7 +4433,7 @@
         </p:nvCxnSpPr>
         <p:spPr>
           <a:xfrm>
-            <a:off x="7332997" y="1896375"/>
+            <a:off x="7650238" y="2003677"/>
             <a:ext cx="1973" cy="688211"/>
           </a:xfrm>
           <a:prstGeom prst="straightConnector1">
@@ -4474,12 +4474,12 @@
         </p:nvCxnSpPr>
         <p:spPr>
           <a:xfrm rot="16200000" flipH="1">
-            <a:off x="6064821" y="1450430"/>
+            <a:off x="6382062" y="1557732"/>
             <a:ext cx="688911" cy="1580800"/>
           </a:xfrm>
           <a:prstGeom prst="bentConnector3">
             <a:avLst>
-              <a:gd name="adj1" fmla="val 58803"/>
+              <a:gd name="adj1" fmla="val 53385"/>
             </a:avLst>
           </a:prstGeom>
           <a:ln>
@@ -4517,12 +4517,12 @@
         </p:nvCxnSpPr>
         <p:spPr>
           <a:xfrm rot="5400000">
-            <a:off x="7825591" y="1531713"/>
-            <a:ext cx="688911" cy="1418234"/>
+            <a:off x="8201504" y="1599010"/>
+            <a:ext cx="688211" cy="1497544"/>
           </a:xfrm>
           <a:prstGeom prst="bentConnector3">
             <a:avLst>
-              <a:gd name="adj1" fmla="val 58804"/>
+              <a:gd name="adj1" fmla="val 53389"/>
             </a:avLst>
           </a:prstGeom>
           <a:ln>
@@ -4547,10 +4547,10 @@
       </p:cxnSp>
       <p:sp>
         <p:nvSpPr>
-          <p:cNvPr id="28" name="Rectangle 27">
-            <a:extLst>
-              <a:ext uri="{FF2B5EF4-FFF2-40B4-BE49-F238E27FC236}">
-                <a16:creationId xmlns:a16="http://schemas.microsoft.com/office/drawing/2014/main" id="{F118A3FF-91C3-AD26-9B17-91BB6E334B29}"/>
+          <p:cNvPr id="32" name="Rectangle 31">
+            <a:extLst>
+              <a:ext uri="{FF2B5EF4-FFF2-40B4-BE49-F238E27FC236}">
+                <a16:creationId xmlns:a16="http://schemas.microsoft.com/office/drawing/2014/main" id="{F36568B9-9F76-FD68-D9D5-A9BDFC55CA5C}"/>
               </a:ext>
             </a:extLst>
           </p:cNvPr>
@@ -4559,8 +4559,504 @@
         </p:nvSpPr>
         <p:spPr>
           <a:xfrm>
-            <a:off x="7225245" y="3854630"/>
-            <a:ext cx="963551" cy="688911"/>
+            <a:off x="8824378" y="3763257"/>
+            <a:ext cx="1237430" cy="877700"/>
+          </a:xfrm>
+          <a:prstGeom prst="rect">
+            <a:avLst/>
+          </a:prstGeom>
+        </p:spPr>
+        <p:style>
+          <a:lnRef idx="2">
+            <a:schemeClr val="accent1">
+              <a:shade val="15000"/>
+            </a:schemeClr>
+          </a:lnRef>
+          <a:fillRef idx="1">
+            <a:schemeClr val="accent1"/>
+          </a:fillRef>
+          <a:effectRef idx="0">
+            <a:schemeClr val="accent1"/>
+          </a:effectRef>
+          <a:fontRef idx="minor">
+            <a:schemeClr val="lt1"/>
+          </a:fontRef>
+        </p:style>
+        <p:txBody>
+          <a:bodyPr rtlCol="0" anchor="ctr"/>
+          <a:lstStyle/>
+          <a:p>
+            <a:pPr algn="ctr"/>
+            <a:r>
+              <a:rPr lang="en-US" sz="1400" dirty="0"/>
+              <a:t>Local inference</a:t>
+            </a:r>
+            <a:br>
+              <a:rPr lang="en-US" sz="1400" dirty="0"/>
+            </a:br>
+            <a:r>
+              <a:rPr lang="en-US" sz="1100" dirty="0">
+                <a:solidFill>
+                  <a:srgbClr val="FFC000"/>
+                </a:solidFill>
+              </a:rPr>
+              <a:t>Python + FastAPI + transformers</a:t>
+            </a:r>
+            <a:endParaRPr lang="en-GB" sz="1400" dirty="0">
+              <a:solidFill>
+                <a:srgbClr val="FFC000"/>
+              </a:solidFill>
+            </a:endParaRPr>
+          </a:p>
+        </p:txBody>
+      </p:sp>
+      <p:cxnSp>
+        <p:nvCxnSpPr>
+          <p:cNvPr id="33" name="Straight Arrow Connector 32">
+            <a:extLst>
+              <a:ext uri="{FF2B5EF4-FFF2-40B4-BE49-F238E27FC236}">
+                <a16:creationId xmlns:a16="http://schemas.microsoft.com/office/drawing/2014/main" id="{4411D3F8-1EF0-1432-4C82-F7084E288AF9}"/>
+              </a:ext>
+            </a:extLst>
+          </p:cNvPr>
+          <p:cNvCxnSpPr>
+            <a:cxnSpLocks/>
+            <a:stCxn id="8" idx="2"/>
+            <a:endCxn id="32" idx="0"/>
+          </p:cNvCxnSpPr>
+          <p:nvPr/>
+        </p:nvCxnSpPr>
+        <p:spPr>
+          <a:xfrm rot="16200000" flipH="1">
+            <a:off x="8353378" y="2673542"/>
+            <a:ext cx="388548" cy="1790882"/>
+          </a:xfrm>
+          <a:prstGeom prst="bentConnector3">
+            <a:avLst>
+              <a:gd name="adj1" fmla="val -44855"/>
+            </a:avLst>
+          </a:prstGeom>
+          <a:ln>
+            <a:tailEnd type="triangle"/>
+          </a:ln>
+        </p:spPr>
+        <p:style>
+          <a:lnRef idx="2">
+            <a:schemeClr val="accent1"/>
+          </a:lnRef>
+          <a:fillRef idx="0">
+            <a:schemeClr val="accent1"/>
+          </a:fillRef>
+          <a:effectRef idx="1">
+            <a:schemeClr val="accent1"/>
+          </a:effectRef>
+          <a:fontRef idx="minor">
+            <a:schemeClr val="tx1"/>
+          </a:fontRef>
+        </p:style>
+      </p:cxnSp>
+      <p:sp>
+        <p:nvSpPr>
+          <p:cNvPr id="38" name="Rectangle 37">
+            <a:extLst>
+              <a:ext uri="{FF2B5EF4-FFF2-40B4-BE49-F238E27FC236}">
+                <a16:creationId xmlns:a16="http://schemas.microsoft.com/office/drawing/2014/main" id="{54ECE6B6-41F1-2566-9B1A-5A5E6AE16380}"/>
+              </a:ext>
+            </a:extLst>
+          </p:cNvPr>
+          <p:cNvSpPr/>
+          <p:nvPr/>
+        </p:nvSpPr>
+        <p:spPr>
+          <a:xfrm>
+            <a:off x="10682638" y="2773094"/>
+            <a:ext cx="1201817" cy="520408"/>
+          </a:xfrm>
+          <a:prstGeom prst="rect">
+            <a:avLst/>
+          </a:prstGeom>
+          <a:solidFill>
+            <a:schemeClr val="tx1"/>
+          </a:solidFill>
+          <a:ln>
+            <a:noFill/>
+          </a:ln>
+        </p:spPr>
+        <p:style>
+          <a:lnRef idx="2">
+            <a:schemeClr val="accent1">
+              <a:shade val="15000"/>
+            </a:schemeClr>
+          </a:lnRef>
+          <a:fillRef idx="1">
+            <a:schemeClr val="accent1"/>
+          </a:fillRef>
+          <a:effectRef idx="0">
+            <a:schemeClr val="accent1"/>
+          </a:effectRef>
+          <a:fontRef idx="minor">
+            <a:schemeClr val="lt1"/>
+          </a:fontRef>
+        </p:style>
+        <p:txBody>
+          <a:bodyPr rtlCol="0" anchor="ctr"/>
+          <a:lstStyle/>
+          <a:p>
+            <a:pPr algn="ctr"/>
+            <a:r>
+              <a:rPr lang="en-US" sz="1400" dirty="0"/>
+              <a:t>LLM service</a:t>
+            </a:r>
+            <a:endParaRPr lang="en-US" sz="1400" dirty="0">
+              <a:solidFill>
+                <a:srgbClr val="FFC000"/>
+              </a:solidFill>
+            </a:endParaRPr>
+          </a:p>
+          <a:p>
+            <a:pPr algn="ctr"/>
+            <a:r>
+              <a:rPr lang="en-US" sz="1100" dirty="0">
+                <a:solidFill>
+                  <a:srgbClr val="FFC000"/>
+                </a:solidFill>
+              </a:rPr>
+              <a:t>OpenAI</a:t>
+            </a:r>
+            <a:endParaRPr lang="en-GB" sz="1400" dirty="0"/>
+          </a:p>
+        </p:txBody>
+      </p:sp>
+      <p:cxnSp>
+        <p:nvCxnSpPr>
+          <p:cNvPr id="39" name="Straight Arrow Connector 32">
+            <a:extLst>
+              <a:ext uri="{FF2B5EF4-FFF2-40B4-BE49-F238E27FC236}">
+                <a16:creationId xmlns:a16="http://schemas.microsoft.com/office/drawing/2014/main" id="{387F1751-10C4-117A-3513-8065CF2710EE}"/>
+              </a:ext>
+            </a:extLst>
+          </p:cNvPr>
+          <p:cNvCxnSpPr>
+            <a:cxnSpLocks/>
+            <a:stCxn id="8" idx="3"/>
+            <a:endCxn id="38" idx="1"/>
+          </p:cNvCxnSpPr>
+          <p:nvPr/>
+        </p:nvCxnSpPr>
+        <p:spPr>
+          <a:xfrm flipV="1">
+            <a:off x="8375305" y="3033298"/>
+            <a:ext cx="2307333" cy="1"/>
+          </a:xfrm>
+          <a:prstGeom prst="bentConnector3">
+            <a:avLst>
+              <a:gd name="adj1" fmla="val 50000"/>
+            </a:avLst>
+          </a:prstGeom>
+          <a:ln>
+            <a:tailEnd type="triangle"/>
+          </a:ln>
+        </p:spPr>
+        <p:style>
+          <a:lnRef idx="2">
+            <a:schemeClr val="accent1"/>
+          </a:lnRef>
+          <a:fillRef idx="0">
+            <a:schemeClr val="accent1"/>
+          </a:fillRef>
+          <a:effectRef idx="1">
+            <a:schemeClr val="accent1"/>
+          </a:effectRef>
+          <a:fontRef idx="minor">
+            <a:schemeClr val="tx1"/>
+          </a:fontRef>
+        </p:style>
+      </p:cxnSp>
+      <p:sp>
+        <p:nvSpPr>
+          <p:cNvPr id="47" name="Rectangle: Single Corner Snipped 46">
+            <a:extLst>
+              <a:ext uri="{FF2B5EF4-FFF2-40B4-BE49-F238E27FC236}">
+                <a16:creationId xmlns:a16="http://schemas.microsoft.com/office/drawing/2014/main" id="{F8D8E6BE-341A-323A-5061-44A3D681BA77}"/>
+              </a:ext>
+            </a:extLst>
+          </p:cNvPr>
+          <p:cNvSpPr/>
+          <p:nvPr/>
+        </p:nvSpPr>
+        <p:spPr>
+          <a:xfrm>
+            <a:off x="2187310" y="2241897"/>
+            <a:ext cx="953712" cy="619125"/>
+          </a:xfrm>
+          <a:prstGeom prst="snip1Rect">
+            <a:avLst/>
+          </a:prstGeom>
+          <a:solidFill>
+            <a:schemeClr val="bg1"/>
+          </a:solidFill>
+        </p:spPr>
+        <p:style>
+          <a:lnRef idx="2">
+            <a:schemeClr val="accent1">
+              <a:shade val="15000"/>
+            </a:schemeClr>
+          </a:lnRef>
+          <a:fillRef idx="1">
+            <a:schemeClr val="accent1"/>
+          </a:fillRef>
+          <a:effectRef idx="0">
+            <a:schemeClr val="accent1"/>
+          </a:effectRef>
+          <a:fontRef idx="minor">
+            <a:schemeClr val="lt1"/>
+          </a:fontRef>
+        </p:style>
+        <p:txBody>
+          <a:bodyPr rtlCol="0" anchor="ctr"/>
+          <a:lstStyle/>
+          <a:p>
+            <a:pPr algn="ctr"/>
+            <a:r>
+              <a:rPr lang="en-US" sz="1200" dirty="0">
+                <a:solidFill>
+                  <a:schemeClr val="tx1"/>
+                </a:solidFill>
+              </a:rPr>
+              <a:t>Initial raw data, PDFs</a:t>
+            </a:r>
+            <a:endParaRPr lang="en-GB" sz="1200" dirty="0">
+              <a:solidFill>
+                <a:schemeClr val="tx1"/>
+              </a:solidFill>
+            </a:endParaRPr>
+          </a:p>
+        </p:txBody>
+      </p:sp>
+      <p:sp>
+        <p:nvSpPr>
+          <p:cNvPr id="48" name="Rectangle: Single Corner Snipped 47">
+            <a:extLst>
+              <a:ext uri="{FF2B5EF4-FFF2-40B4-BE49-F238E27FC236}">
+                <a16:creationId xmlns:a16="http://schemas.microsoft.com/office/drawing/2014/main" id="{115B7701-6C56-034E-C289-616E7D220368}"/>
+              </a:ext>
+            </a:extLst>
+          </p:cNvPr>
+          <p:cNvSpPr/>
+          <p:nvPr/>
+        </p:nvSpPr>
+        <p:spPr>
+          <a:xfrm>
+            <a:off x="2187310" y="3076578"/>
+            <a:ext cx="929360" cy="619125"/>
+          </a:xfrm>
+          <a:prstGeom prst="snip1Rect">
+            <a:avLst/>
+          </a:prstGeom>
+          <a:solidFill>
+            <a:schemeClr val="bg1"/>
+          </a:solidFill>
+        </p:spPr>
+        <p:style>
+          <a:lnRef idx="2">
+            <a:schemeClr val="accent1">
+              <a:shade val="15000"/>
+            </a:schemeClr>
+          </a:lnRef>
+          <a:fillRef idx="1">
+            <a:schemeClr val="accent1"/>
+          </a:fillRef>
+          <a:effectRef idx="0">
+            <a:schemeClr val="accent1"/>
+          </a:effectRef>
+          <a:fontRef idx="minor">
+            <a:schemeClr val="lt1"/>
+          </a:fontRef>
+        </p:style>
+        <p:txBody>
+          <a:bodyPr rIns="72000" bIns="72000" rtlCol="0" anchor="ctr"/>
+          <a:lstStyle/>
+          <a:p>
+            <a:pPr algn="ctr"/>
+            <a:r>
+              <a:rPr lang="en-US" sz="1200" dirty="0">
+                <a:solidFill>
+                  <a:schemeClr val="tx1"/>
+                </a:solidFill>
+              </a:rPr>
+              <a:t>Evaluation questions</a:t>
+            </a:r>
+            <a:endParaRPr lang="en-GB" sz="1200" dirty="0">
+              <a:solidFill>
+                <a:schemeClr val="tx1"/>
+              </a:solidFill>
+            </a:endParaRPr>
+          </a:p>
+        </p:txBody>
+      </p:sp>
+      <p:sp>
+        <p:nvSpPr>
+          <p:cNvPr id="49" name="Rectangle 48">
+            <a:extLst>
+              <a:ext uri="{FF2B5EF4-FFF2-40B4-BE49-F238E27FC236}">
+                <a16:creationId xmlns:a16="http://schemas.microsoft.com/office/drawing/2014/main" id="{36B7A0FC-02B6-D5A9-B985-519DC80B52E7}"/>
+              </a:ext>
+            </a:extLst>
+          </p:cNvPr>
+          <p:cNvSpPr/>
+          <p:nvPr/>
+        </p:nvSpPr>
+        <p:spPr>
+          <a:xfrm>
+            <a:off x="3336175" y="2204839"/>
+            <a:ext cx="1171874" cy="693243"/>
+          </a:xfrm>
+          <a:prstGeom prst="rect">
+            <a:avLst/>
+          </a:prstGeom>
+        </p:spPr>
+        <p:style>
+          <a:lnRef idx="2">
+            <a:schemeClr val="accent1">
+              <a:shade val="15000"/>
+            </a:schemeClr>
+          </a:lnRef>
+          <a:fillRef idx="1">
+            <a:schemeClr val="accent1"/>
+          </a:fillRef>
+          <a:effectRef idx="0">
+            <a:schemeClr val="accent1"/>
+          </a:effectRef>
+          <a:fontRef idx="minor">
+            <a:schemeClr val="lt1"/>
+          </a:fontRef>
+        </p:style>
+        <p:txBody>
+          <a:bodyPr rtlCol="0" anchor="ctr"/>
+          <a:lstStyle/>
+          <a:p>
+            <a:pPr algn="ctr"/>
+            <a:r>
+              <a:rPr lang="en-US" sz="1400" dirty="0"/>
+              <a:t>Data ingester</a:t>
+            </a:r>
+          </a:p>
+          <a:p>
+            <a:pPr algn="ctr"/>
+            <a:r>
+              <a:rPr lang="en-US" sz="1100" dirty="0">
+                <a:solidFill>
+                  <a:srgbClr val="FFC000"/>
+                </a:solidFill>
+              </a:rPr>
+              <a:t>Console app</a:t>
+            </a:r>
+            <a:endParaRPr lang="en-GB" sz="1100" dirty="0"/>
+          </a:p>
+        </p:txBody>
+      </p:sp>
+      <p:cxnSp>
+        <p:nvCxnSpPr>
+          <p:cNvPr id="59" name="Straight Arrow Connector 58">
+            <a:extLst>
+              <a:ext uri="{FF2B5EF4-FFF2-40B4-BE49-F238E27FC236}">
+                <a16:creationId xmlns:a16="http://schemas.microsoft.com/office/drawing/2014/main" id="{63CD28D9-2F92-BD97-9D2B-3911CD613D24}"/>
+              </a:ext>
+            </a:extLst>
+          </p:cNvPr>
+          <p:cNvCxnSpPr>
+            <a:cxnSpLocks/>
+          </p:cNvCxnSpPr>
+          <p:nvPr/>
+        </p:nvCxnSpPr>
+        <p:spPr>
+          <a:xfrm>
+            <a:off x="4513445" y="2740952"/>
+            <a:ext cx="758172" cy="4922"/>
+          </a:xfrm>
+          <a:prstGeom prst="straightConnector1">
+            <a:avLst/>
+          </a:prstGeom>
+          <a:ln>
+            <a:tailEnd type="triangle"/>
+          </a:ln>
+        </p:spPr>
+        <p:style>
+          <a:lnRef idx="2">
+            <a:schemeClr val="accent1"/>
+          </a:lnRef>
+          <a:fillRef idx="0">
+            <a:schemeClr val="accent1"/>
+          </a:fillRef>
+          <a:effectRef idx="1">
+            <a:schemeClr val="accent1"/>
+          </a:effectRef>
+          <a:fontRef idx="minor">
+            <a:schemeClr val="tx1"/>
+          </a:fontRef>
+        </p:style>
+      </p:cxnSp>
+      <p:cxnSp>
+        <p:nvCxnSpPr>
+          <p:cNvPr id="75" name="Straight Arrow Connector 74">
+            <a:extLst>
+              <a:ext uri="{FF2B5EF4-FFF2-40B4-BE49-F238E27FC236}">
+                <a16:creationId xmlns:a16="http://schemas.microsoft.com/office/drawing/2014/main" id="{4FE7A007-FF95-C5CF-6705-087CB0398CF7}"/>
+              </a:ext>
+            </a:extLst>
+          </p:cNvPr>
+          <p:cNvCxnSpPr>
+            <a:cxnSpLocks/>
+            <a:stCxn id="50" idx="3"/>
+            <a:endCxn id="48" idx="2"/>
+          </p:cNvCxnSpPr>
+          <p:nvPr/>
+        </p:nvCxnSpPr>
+        <p:spPr>
+          <a:xfrm>
+            <a:off x="1837486" y="2975345"/>
+            <a:ext cx="349824" cy="410796"/>
+          </a:xfrm>
+          <a:prstGeom prst="bentConnector3">
+            <a:avLst>
+              <a:gd name="adj1" fmla="val 50000"/>
+            </a:avLst>
+          </a:prstGeom>
+          <a:ln>
+            <a:tailEnd type="triangle"/>
+          </a:ln>
+        </p:spPr>
+        <p:style>
+          <a:lnRef idx="2">
+            <a:schemeClr val="accent1"/>
+          </a:lnRef>
+          <a:fillRef idx="0">
+            <a:schemeClr val="accent1"/>
+          </a:fillRef>
+          <a:effectRef idx="1">
+            <a:schemeClr val="accent1"/>
+          </a:effectRef>
+          <a:fontRef idx="minor">
+            <a:schemeClr val="tx1"/>
+          </a:fontRef>
+        </p:style>
+      </p:cxnSp>
+      <p:sp>
+        <p:nvSpPr>
+          <p:cNvPr id="102" name="Rectangle 101">
+            <a:extLst>
+              <a:ext uri="{FF2B5EF4-FFF2-40B4-BE49-F238E27FC236}">
+                <a16:creationId xmlns:a16="http://schemas.microsoft.com/office/drawing/2014/main" id="{B64D8FBC-AEA1-D62C-C03A-05AA3FBE579C}"/>
+              </a:ext>
+            </a:extLst>
+          </p:cNvPr>
+          <p:cNvSpPr/>
+          <p:nvPr/>
+        </p:nvSpPr>
+        <p:spPr>
+          <a:xfrm>
+            <a:off x="3336175" y="1573802"/>
+            <a:ext cx="1171874" cy="450920"/>
           </a:xfrm>
           <a:prstGeom prst="rect">
             <a:avLst/>
@@ -4597,23 +5093,13 @@
             <a:pPr algn="ctr"/>
             <a:r>
               <a:rPr lang="en-US" sz="1400" dirty="0"/>
-              <a:t>Event</a:t>
-            </a:r>
-            <a:br>
-              <a:rPr lang="en-US" sz="1400" dirty="0"/>
-            </a:br>
-            <a:r>
-              <a:rPr lang="en-US" sz="1400" dirty="0"/>
-              <a:t>bus</a:t>
-            </a:r>
-            <a:r>
-              <a:rPr lang="en-US" sz="1400" dirty="0">
-                <a:solidFill>
-                  <a:srgbClr val="FFC000"/>
-                </a:solidFill>
-              </a:rPr>
-              <a:t> </a:t>
-            </a:r>
+              <a:t>PDF parser</a:t>
+            </a:r>
+            <a:endParaRPr lang="en-US" sz="1400" dirty="0">
+              <a:solidFill>
+                <a:srgbClr val="FFC000"/>
+              </a:solidFill>
+            </a:endParaRPr>
           </a:p>
           <a:p>
             <a:pPr algn="ctr"/>
@@ -4623,439 +5109,32 @@
                   <a:srgbClr val="FFC000"/>
                 </a:solidFill>
               </a:rPr>
-              <a:t>RabbitMQ</a:t>
+              <a:t>Tika</a:t>
             </a:r>
             <a:endParaRPr lang="en-GB" sz="1100" dirty="0"/>
-          </a:p>
-        </p:txBody>
-      </p:sp>
-      <p:sp>
-        <p:nvSpPr>
-          <p:cNvPr id="32" name="Rectangle 31">
-            <a:extLst>
-              <a:ext uri="{FF2B5EF4-FFF2-40B4-BE49-F238E27FC236}">
-                <a16:creationId xmlns:a16="http://schemas.microsoft.com/office/drawing/2014/main" id="{F36568B9-9F76-FD68-D9D5-A9BDFC55CA5C}"/>
-              </a:ext>
-            </a:extLst>
-          </p:cNvPr>
-          <p:cNvSpPr/>
-          <p:nvPr/>
-        </p:nvSpPr>
-        <p:spPr>
-          <a:xfrm>
-            <a:off x="8452411" y="3852920"/>
-            <a:ext cx="1237430" cy="877700"/>
-          </a:xfrm>
-          <a:prstGeom prst="rect">
-            <a:avLst/>
-          </a:prstGeom>
-        </p:spPr>
-        <p:style>
-          <a:lnRef idx="2">
-            <a:schemeClr val="accent1">
-              <a:shade val="15000"/>
-            </a:schemeClr>
-          </a:lnRef>
-          <a:fillRef idx="1">
-            <a:schemeClr val="accent1"/>
-          </a:fillRef>
-          <a:effectRef idx="0">
-            <a:schemeClr val="accent1"/>
-          </a:effectRef>
-          <a:fontRef idx="minor">
-            <a:schemeClr val="lt1"/>
-          </a:fontRef>
-        </p:style>
-        <p:txBody>
-          <a:bodyPr rtlCol="0" anchor="ctr"/>
-          <a:lstStyle/>
-          <a:p>
-            <a:pPr algn="ctr"/>
-            <a:r>
-              <a:rPr lang="en-US" sz="1400" dirty="0"/>
-              <a:t>Local inference</a:t>
-            </a:r>
-            <a:br>
-              <a:rPr lang="en-US" sz="1400" dirty="0"/>
-            </a:br>
-            <a:r>
-              <a:rPr lang="en-US" sz="1100" dirty="0">
-                <a:solidFill>
-                  <a:srgbClr val="FFC000"/>
-                </a:solidFill>
-              </a:rPr>
-              <a:t>Python + FastAPI + transformers</a:t>
-            </a:r>
-            <a:endParaRPr lang="en-GB" sz="1400" dirty="0">
-              <a:solidFill>
-                <a:srgbClr val="FFC000"/>
-              </a:solidFill>
-            </a:endParaRPr>
           </a:p>
         </p:txBody>
       </p:sp>
       <p:cxnSp>
         <p:nvCxnSpPr>
-          <p:cNvPr id="33" name="Straight Arrow Connector 32">
-            <a:extLst>
-              <a:ext uri="{FF2B5EF4-FFF2-40B4-BE49-F238E27FC236}">
-                <a16:creationId xmlns:a16="http://schemas.microsoft.com/office/drawing/2014/main" id="{4411D3F8-1EF0-1432-4C82-F7084E288AF9}"/>
+          <p:cNvPr id="103" name="Straight Arrow Connector 102">
+            <a:extLst>
+              <a:ext uri="{FF2B5EF4-FFF2-40B4-BE49-F238E27FC236}">
+                <a16:creationId xmlns:a16="http://schemas.microsoft.com/office/drawing/2014/main" id="{DD847230-EDE9-F4D2-3FDC-7A9F8C31D45D}"/>
               </a:ext>
             </a:extLst>
           </p:cNvPr>
           <p:cNvCxnSpPr>
             <a:cxnSpLocks/>
-            <a:endCxn id="32" idx="0"/>
+            <a:stCxn id="49" idx="0"/>
+            <a:endCxn id="102" idx="2"/>
           </p:cNvCxnSpPr>
           <p:nvPr/>
         </p:nvCxnSpPr>
         <p:spPr>
-          <a:xfrm>
-            <a:off x="8083385" y="2977088"/>
-            <a:ext cx="987741" cy="875832"/>
-          </a:xfrm>
-          <a:prstGeom prst="bentConnector2">
-            <a:avLst/>
-          </a:prstGeom>
-          <a:ln>
-            <a:tailEnd type="triangle"/>
-          </a:ln>
-        </p:spPr>
-        <p:style>
-          <a:lnRef idx="2">
-            <a:schemeClr val="accent1"/>
-          </a:lnRef>
-          <a:fillRef idx="0">
-            <a:schemeClr val="accent1"/>
-          </a:fillRef>
-          <a:effectRef idx="1">
-            <a:schemeClr val="accent1"/>
-          </a:effectRef>
-          <a:fontRef idx="minor">
-            <a:schemeClr val="tx1"/>
-          </a:fontRef>
-        </p:style>
-      </p:cxnSp>
-      <p:sp>
-        <p:nvSpPr>
-          <p:cNvPr id="38" name="Rectangle 37">
-            <a:extLst>
-              <a:ext uri="{FF2B5EF4-FFF2-40B4-BE49-F238E27FC236}">
-                <a16:creationId xmlns:a16="http://schemas.microsoft.com/office/drawing/2014/main" id="{54ECE6B6-41F1-2566-9B1A-5A5E6AE16380}"/>
-              </a:ext>
-            </a:extLst>
-          </p:cNvPr>
-          <p:cNvSpPr/>
-          <p:nvPr/>
-        </p:nvSpPr>
-        <p:spPr>
-          <a:xfrm>
-            <a:off x="10365397" y="2587618"/>
-            <a:ext cx="1201817" cy="520408"/>
-          </a:xfrm>
-          <a:prstGeom prst="rect">
-            <a:avLst/>
-          </a:prstGeom>
-          <a:solidFill>
-            <a:schemeClr val="tx1"/>
-          </a:solidFill>
-          <a:ln>
-            <a:noFill/>
-          </a:ln>
-        </p:spPr>
-        <p:style>
-          <a:lnRef idx="2">
-            <a:schemeClr val="accent1">
-              <a:shade val="15000"/>
-            </a:schemeClr>
-          </a:lnRef>
-          <a:fillRef idx="1">
-            <a:schemeClr val="accent1"/>
-          </a:fillRef>
-          <a:effectRef idx="0">
-            <a:schemeClr val="accent1"/>
-          </a:effectRef>
-          <a:fontRef idx="minor">
-            <a:schemeClr val="lt1"/>
-          </a:fontRef>
-        </p:style>
-        <p:txBody>
-          <a:bodyPr rtlCol="0" anchor="ctr"/>
-          <a:lstStyle/>
-          <a:p>
-            <a:pPr algn="ctr"/>
-            <a:r>
-              <a:rPr lang="en-US" sz="1400" dirty="0"/>
-              <a:t>LLM service</a:t>
-            </a:r>
-            <a:endParaRPr lang="en-US" sz="1400" dirty="0">
-              <a:solidFill>
-                <a:srgbClr val="FFC000"/>
-              </a:solidFill>
-            </a:endParaRPr>
-          </a:p>
-          <a:p>
-            <a:pPr algn="ctr"/>
-            <a:r>
-              <a:rPr lang="en-US" sz="1100" dirty="0">
-                <a:solidFill>
-                  <a:srgbClr val="FFC000"/>
-                </a:solidFill>
-              </a:rPr>
-              <a:t>OpenAI</a:t>
-            </a:r>
-            <a:endParaRPr lang="en-GB" sz="1400" dirty="0"/>
-          </a:p>
-        </p:txBody>
-      </p:sp>
-      <p:cxnSp>
-        <p:nvCxnSpPr>
-          <p:cNvPr id="39" name="Straight Arrow Connector 32">
-            <a:extLst>
-              <a:ext uri="{FF2B5EF4-FFF2-40B4-BE49-F238E27FC236}">
-                <a16:creationId xmlns:a16="http://schemas.microsoft.com/office/drawing/2014/main" id="{387F1751-10C4-117A-3513-8065CF2710EE}"/>
-              </a:ext>
-            </a:extLst>
-          </p:cNvPr>
-          <p:cNvCxnSpPr>
-            <a:cxnSpLocks/>
-            <a:stCxn id="8" idx="3"/>
-            <a:endCxn id="38" idx="1"/>
-          </p:cNvCxnSpPr>
-          <p:nvPr/>
-        </p:nvCxnSpPr>
-        <p:spPr>
           <a:xfrm flipV="1">
-            <a:off x="8309406" y="2847822"/>
-            <a:ext cx="2055991" cy="1"/>
-          </a:xfrm>
-          <a:prstGeom prst="bentConnector3">
-            <a:avLst>
-              <a:gd name="adj1" fmla="val 50000"/>
-            </a:avLst>
-          </a:prstGeom>
-          <a:ln>
-            <a:tailEnd type="triangle"/>
-          </a:ln>
-        </p:spPr>
-        <p:style>
-          <a:lnRef idx="2">
-            <a:schemeClr val="accent1"/>
-          </a:lnRef>
-          <a:fillRef idx="0">
-            <a:schemeClr val="accent1"/>
-          </a:fillRef>
-          <a:effectRef idx="1">
-            <a:schemeClr val="accent1"/>
-          </a:effectRef>
-          <a:fontRef idx="minor">
-            <a:schemeClr val="tx1"/>
-          </a:fontRef>
-        </p:style>
-      </p:cxnSp>
-      <p:sp>
-        <p:nvSpPr>
-          <p:cNvPr id="47" name="Rectangle: Single Corner Snipped 46">
-            <a:extLst>
-              <a:ext uri="{FF2B5EF4-FFF2-40B4-BE49-F238E27FC236}">
-                <a16:creationId xmlns:a16="http://schemas.microsoft.com/office/drawing/2014/main" id="{F8D8E6BE-341A-323A-5061-44A3D681BA77}"/>
-              </a:ext>
-            </a:extLst>
-          </p:cNvPr>
-          <p:cNvSpPr/>
-          <p:nvPr/>
-        </p:nvSpPr>
-        <p:spPr>
-          <a:xfrm>
-            <a:off x="1685479" y="4084640"/>
-            <a:ext cx="724795" cy="619125"/>
-          </a:xfrm>
-          <a:prstGeom prst="snip1Rect">
-            <a:avLst/>
-          </a:prstGeom>
-          <a:solidFill>
-            <a:schemeClr val="bg1"/>
-          </a:solidFill>
-        </p:spPr>
-        <p:style>
-          <a:lnRef idx="2">
-            <a:schemeClr val="accent1">
-              <a:shade val="15000"/>
-            </a:schemeClr>
-          </a:lnRef>
-          <a:fillRef idx="1">
-            <a:schemeClr val="accent1"/>
-          </a:fillRef>
-          <a:effectRef idx="0">
-            <a:schemeClr val="accent1"/>
-          </a:effectRef>
-          <a:fontRef idx="minor">
-            <a:schemeClr val="lt1"/>
-          </a:fontRef>
-        </p:style>
-        <p:txBody>
-          <a:bodyPr rtlCol="0" anchor="ctr"/>
-          <a:lstStyle/>
-          <a:p>
-            <a:pPr algn="ctr"/>
-            <a:r>
-              <a:rPr lang="en-US" sz="1200" dirty="0">
-                <a:solidFill>
-                  <a:schemeClr val="tx1"/>
-                </a:solidFill>
-              </a:rPr>
-              <a:t>Initial data</a:t>
-            </a:r>
-            <a:endParaRPr lang="en-GB" sz="1200" dirty="0">
-              <a:solidFill>
-                <a:schemeClr val="tx1"/>
-              </a:solidFill>
-            </a:endParaRPr>
-          </a:p>
-        </p:txBody>
-      </p:sp>
-      <p:sp>
-        <p:nvSpPr>
-          <p:cNvPr id="48" name="Rectangle: Single Corner Snipped 47">
-            <a:extLst>
-              <a:ext uri="{FF2B5EF4-FFF2-40B4-BE49-F238E27FC236}">
-                <a16:creationId xmlns:a16="http://schemas.microsoft.com/office/drawing/2014/main" id="{115B7701-6C56-034E-C289-616E7D220368}"/>
-              </a:ext>
-            </a:extLst>
-          </p:cNvPr>
-          <p:cNvSpPr/>
-          <p:nvPr/>
-        </p:nvSpPr>
-        <p:spPr>
-          <a:xfrm>
-            <a:off x="1583199" y="1979039"/>
-            <a:ext cx="929360" cy="619125"/>
-          </a:xfrm>
-          <a:prstGeom prst="snip1Rect">
-            <a:avLst/>
-          </a:prstGeom>
-          <a:solidFill>
-            <a:schemeClr val="bg1"/>
-          </a:solidFill>
-        </p:spPr>
-        <p:style>
-          <a:lnRef idx="2">
-            <a:schemeClr val="accent1">
-              <a:shade val="15000"/>
-            </a:schemeClr>
-          </a:lnRef>
-          <a:fillRef idx="1">
-            <a:schemeClr val="accent1"/>
-          </a:fillRef>
-          <a:effectRef idx="0">
-            <a:schemeClr val="accent1"/>
-          </a:effectRef>
-          <a:fontRef idx="minor">
-            <a:schemeClr val="lt1"/>
-          </a:fontRef>
-        </p:style>
-        <p:txBody>
-          <a:bodyPr rIns="72000" bIns="72000" rtlCol="0" anchor="ctr"/>
-          <a:lstStyle/>
-          <a:p>
-            <a:pPr algn="ctr"/>
-            <a:r>
-              <a:rPr lang="en-US" sz="1200" dirty="0">
-                <a:solidFill>
-                  <a:schemeClr val="tx1"/>
-                </a:solidFill>
-              </a:rPr>
-              <a:t>Evaluation questions</a:t>
-            </a:r>
-            <a:endParaRPr lang="en-GB" sz="1200" dirty="0">
-              <a:solidFill>
-                <a:schemeClr val="tx1"/>
-              </a:solidFill>
-            </a:endParaRPr>
-          </a:p>
-        </p:txBody>
-      </p:sp>
-      <p:sp>
-        <p:nvSpPr>
-          <p:cNvPr id="49" name="Rectangle 48">
-            <a:extLst>
-              <a:ext uri="{FF2B5EF4-FFF2-40B4-BE49-F238E27FC236}">
-                <a16:creationId xmlns:a16="http://schemas.microsoft.com/office/drawing/2014/main" id="{36B7A0FC-02B6-D5A9-B985-519DC80B52E7}"/>
-              </a:ext>
-            </a:extLst>
-          </p:cNvPr>
-          <p:cNvSpPr/>
-          <p:nvPr/>
-        </p:nvSpPr>
-        <p:spPr>
-          <a:xfrm>
-            <a:off x="2769896" y="4050474"/>
-            <a:ext cx="1171874" cy="693243"/>
-          </a:xfrm>
-          <a:prstGeom prst="rect">
-            <a:avLst/>
-          </a:prstGeom>
-        </p:spPr>
-        <p:style>
-          <a:lnRef idx="2">
-            <a:schemeClr val="accent1">
-              <a:shade val="15000"/>
-            </a:schemeClr>
-          </a:lnRef>
-          <a:fillRef idx="1">
-            <a:schemeClr val="accent1"/>
-          </a:fillRef>
-          <a:effectRef idx="0">
-            <a:schemeClr val="accent1"/>
-          </a:effectRef>
-          <a:fontRef idx="minor">
-            <a:schemeClr val="lt1"/>
-          </a:fontRef>
-        </p:style>
-        <p:txBody>
-          <a:bodyPr rtlCol="0" anchor="ctr"/>
-          <a:lstStyle/>
-          <a:p>
-            <a:pPr algn="ctr"/>
-            <a:r>
-              <a:rPr lang="en-US" sz="1400" dirty="0"/>
-              <a:t>Data ingester</a:t>
-            </a:r>
-          </a:p>
-          <a:p>
-            <a:pPr algn="ctr"/>
-            <a:r>
-              <a:rPr lang="en-US" sz="1100" dirty="0">
-                <a:solidFill>
-                  <a:srgbClr val="FFC000"/>
-                </a:solidFill>
-              </a:rPr>
-              <a:t>Console app</a:t>
-            </a:r>
-            <a:endParaRPr lang="en-GB" sz="1100" dirty="0"/>
-          </a:p>
-        </p:txBody>
-      </p:sp>
-      <p:cxnSp>
-        <p:nvCxnSpPr>
-          <p:cNvPr id="59" name="Straight Arrow Connector 58">
-            <a:extLst>
-              <a:ext uri="{FF2B5EF4-FFF2-40B4-BE49-F238E27FC236}">
-                <a16:creationId xmlns:a16="http://schemas.microsoft.com/office/drawing/2014/main" id="{63CD28D9-2F92-BD97-9D2B-3911CD613D24}"/>
-              </a:ext>
-            </a:extLst>
-          </p:cNvPr>
-          <p:cNvCxnSpPr>
-            <a:cxnSpLocks/>
-            <a:stCxn id="49" idx="3"/>
-            <a:endCxn id="7" idx="1"/>
-          </p:cNvCxnSpPr>
-          <p:nvPr/>
-        </p:nvCxnSpPr>
-        <p:spPr>
-          <a:xfrm>
-            <a:off x="3941770" y="4397096"/>
-            <a:ext cx="1244326" cy="0"/>
+            <a:off x="3922112" y="2024722"/>
+            <a:ext cx="0" cy="180117"/>
           </a:xfrm>
           <a:prstGeom prst="straightConnector1">
             <a:avLst/>
@@ -5081,234 +5160,6 @@
       </p:cxnSp>
       <p:cxnSp>
         <p:nvCxnSpPr>
-          <p:cNvPr id="75" name="Straight Arrow Connector 74">
-            <a:extLst>
-              <a:ext uri="{FF2B5EF4-FFF2-40B4-BE49-F238E27FC236}">
-                <a16:creationId xmlns:a16="http://schemas.microsoft.com/office/drawing/2014/main" id="{4FE7A007-FF95-C5CF-6705-087CB0398CF7}"/>
-              </a:ext>
-            </a:extLst>
-          </p:cNvPr>
-          <p:cNvCxnSpPr>
-            <a:cxnSpLocks/>
-            <a:stCxn id="50" idx="0"/>
-            <a:endCxn id="48" idx="1"/>
-          </p:cNvCxnSpPr>
-          <p:nvPr/>
-        </p:nvCxnSpPr>
-        <p:spPr>
-          <a:xfrm rot="5400000" flipH="1" flipV="1">
-            <a:off x="1875332" y="2770711"/>
-            <a:ext cx="345093" cy="1"/>
-          </a:xfrm>
-          <a:prstGeom prst="bentConnector3">
-            <a:avLst>
-              <a:gd name="adj1" fmla="val 50000"/>
-            </a:avLst>
-          </a:prstGeom>
-          <a:ln>
-            <a:tailEnd type="triangle"/>
-          </a:ln>
-        </p:spPr>
-        <p:style>
-          <a:lnRef idx="2">
-            <a:schemeClr val="accent1"/>
-          </a:lnRef>
-          <a:fillRef idx="0">
-            <a:schemeClr val="accent1"/>
-          </a:fillRef>
-          <a:effectRef idx="1">
-            <a:schemeClr val="accent1"/>
-          </a:effectRef>
-          <a:fontRef idx="minor">
-            <a:schemeClr val="tx1"/>
-          </a:fontRef>
-        </p:style>
-      </p:cxnSp>
-      <p:sp>
-        <p:nvSpPr>
-          <p:cNvPr id="102" name="Rectangle 101">
-            <a:extLst>
-              <a:ext uri="{FF2B5EF4-FFF2-40B4-BE49-F238E27FC236}">
-                <a16:creationId xmlns:a16="http://schemas.microsoft.com/office/drawing/2014/main" id="{B64D8FBC-AEA1-D62C-C03A-05AA3FBE579C}"/>
-              </a:ext>
-            </a:extLst>
-          </p:cNvPr>
-          <p:cNvSpPr/>
-          <p:nvPr/>
-        </p:nvSpPr>
-        <p:spPr>
-          <a:xfrm>
-            <a:off x="2769896" y="4937508"/>
-            <a:ext cx="1171874" cy="450920"/>
-          </a:xfrm>
-          <a:prstGeom prst="rect">
-            <a:avLst/>
-          </a:prstGeom>
-          <a:solidFill>
-            <a:schemeClr val="accent3">
-              <a:lumMod val="75000"/>
-            </a:schemeClr>
-          </a:solidFill>
-          <a:ln>
-            <a:noFill/>
-          </a:ln>
-        </p:spPr>
-        <p:style>
-          <a:lnRef idx="2">
-            <a:schemeClr val="accent1">
-              <a:shade val="15000"/>
-            </a:schemeClr>
-          </a:lnRef>
-          <a:fillRef idx="1">
-            <a:schemeClr val="accent1"/>
-          </a:fillRef>
-          <a:effectRef idx="0">
-            <a:schemeClr val="accent1"/>
-          </a:effectRef>
-          <a:fontRef idx="minor">
-            <a:schemeClr val="lt1"/>
-          </a:fontRef>
-        </p:style>
-        <p:txBody>
-          <a:bodyPr rtlCol="0" anchor="ctr"/>
-          <a:lstStyle/>
-          <a:p>
-            <a:pPr algn="ctr"/>
-            <a:r>
-              <a:rPr lang="en-US" sz="1400" dirty="0"/>
-              <a:t>PDF parser</a:t>
-            </a:r>
-            <a:endParaRPr lang="en-US" sz="1400" dirty="0">
-              <a:solidFill>
-                <a:srgbClr val="FFC000"/>
-              </a:solidFill>
-            </a:endParaRPr>
-          </a:p>
-          <a:p>
-            <a:pPr algn="ctr"/>
-            <a:r>
-              <a:rPr lang="en-US" sz="1100" dirty="0">
-                <a:solidFill>
-                  <a:srgbClr val="FFC000"/>
-                </a:solidFill>
-              </a:rPr>
-              <a:t>Tika</a:t>
-            </a:r>
-            <a:endParaRPr lang="en-GB" sz="1100" dirty="0"/>
-          </a:p>
-        </p:txBody>
-      </p:sp>
-      <p:cxnSp>
-        <p:nvCxnSpPr>
-          <p:cNvPr id="103" name="Straight Arrow Connector 102">
-            <a:extLst>
-              <a:ext uri="{FF2B5EF4-FFF2-40B4-BE49-F238E27FC236}">
-                <a16:creationId xmlns:a16="http://schemas.microsoft.com/office/drawing/2014/main" id="{DD847230-EDE9-F4D2-3FDC-7A9F8C31D45D}"/>
-              </a:ext>
-            </a:extLst>
-          </p:cNvPr>
-          <p:cNvCxnSpPr>
-            <a:cxnSpLocks/>
-            <a:stCxn id="49" idx="2"/>
-            <a:endCxn id="102" idx="0"/>
-          </p:cNvCxnSpPr>
-          <p:nvPr/>
-        </p:nvCxnSpPr>
-        <p:spPr>
-          <a:xfrm>
-            <a:off x="3355833" y="4743717"/>
-            <a:ext cx="0" cy="193791"/>
-          </a:xfrm>
-          <a:prstGeom prst="straightConnector1">
-            <a:avLst/>
-          </a:prstGeom>
-          <a:ln>
-            <a:tailEnd type="triangle"/>
-          </a:ln>
-        </p:spPr>
-        <p:style>
-          <a:lnRef idx="2">
-            <a:schemeClr val="accent1"/>
-          </a:lnRef>
-          <a:fillRef idx="0">
-            <a:schemeClr val="accent1"/>
-          </a:fillRef>
-          <a:effectRef idx="1">
-            <a:schemeClr val="accent1"/>
-          </a:effectRef>
-          <a:fontRef idx="minor">
-            <a:schemeClr val="tx1"/>
-          </a:fontRef>
-        </p:style>
-      </p:cxnSp>
-      <p:sp>
-        <p:nvSpPr>
-          <p:cNvPr id="46" name="Rectangle 45">
-            <a:extLst>
-              <a:ext uri="{FF2B5EF4-FFF2-40B4-BE49-F238E27FC236}">
-                <a16:creationId xmlns:a16="http://schemas.microsoft.com/office/drawing/2014/main" id="{7E3DEA83-B278-A207-2DCE-7009F8DA06CC}"/>
-              </a:ext>
-            </a:extLst>
-          </p:cNvPr>
-          <p:cNvSpPr/>
-          <p:nvPr/>
-        </p:nvSpPr>
-        <p:spPr>
-          <a:xfrm>
-            <a:off x="2816832" y="2025537"/>
-            <a:ext cx="1160778" cy="526473"/>
-          </a:xfrm>
-          <a:prstGeom prst="rect">
-            <a:avLst/>
-          </a:prstGeom>
-        </p:spPr>
-        <p:style>
-          <a:lnRef idx="2">
-            <a:schemeClr val="accent1">
-              <a:shade val="15000"/>
-            </a:schemeClr>
-          </a:lnRef>
-          <a:fillRef idx="1">
-            <a:schemeClr val="accent1"/>
-          </a:fillRef>
-          <a:effectRef idx="0">
-            <a:schemeClr val="accent1"/>
-          </a:effectRef>
-          <a:fontRef idx="minor">
-            <a:schemeClr val="lt1"/>
-          </a:fontRef>
-        </p:style>
-        <p:txBody>
-          <a:bodyPr rtlCol="0" anchor="ctr"/>
-          <a:lstStyle/>
-          <a:p>
-            <a:pPr algn="ctr"/>
-            <a:r>
-              <a:rPr lang="en-US" sz="1400" dirty="0"/>
-              <a:t>Evaluator</a:t>
-            </a:r>
-            <a:endParaRPr lang="en-US" sz="1400" dirty="0">
-              <a:solidFill>
-                <a:srgbClr val="FFC000"/>
-              </a:solidFill>
-            </a:endParaRPr>
-          </a:p>
-          <a:p>
-            <a:pPr algn="ctr"/>
-            <a:r>
-              <a:rPr lang="en-US" sz="1100" dirty="0">
-                <a:solidFill>
-                  <a:srgbClr val="FFC000"/>
-                </a:solidFill>
-              </a:rPr>
-              <a:t>Console app</a:t>
-            </a:r>
-            <a:endParaRPr lang="en-GB" sz="1400" dirty="0"/>
-          </a:p>
-        </p:txBody>
-      </p:sp>
-      <p:cxnSp>
-        <p:nvCxnSpPr>
           <p:cNvPr id="193" name="Straight Arrow Connector 192">
             <a:extLst>
               <a:ext uri="{FF2B5EF4-FFF2-40B4-BE49-F238E27FC236}">
@@ -5325,8 +5176,8 @@
         </p:nvCxnSpPr>
         <p:spPr>
           <a:xfrm flipH="1" flipV="1">
-            <a:off x="2410274" y="4394203"/>
-            <a:ext cx="359622" cy="2893"/>
+            <a:off x="3141022" y="2551460"/>
+            <a:ext cx="195153" cy="1"/>
           </a:xfrm>
           <a:prstGeom prst="straightConnector1">
             <a:avLst/>
@@ -5361,15 +5212,15 @@
           </p:cNvPr>
           <p:cNvCxnSpPr>
             <a:cxnSpLocks/>
-            <a:stCxn id="50" idx="2"/>
-            <a:endCxn id="47" idx="3"/>
+            <a:stCxn id="50" idx="3"/>
+            <a:endCxn id="47" idx="2"/>
           </p:cNvCxnSpPr>
           <p:nvPr/>
         </p:nvCxnSpPr>
         <p:spPr>
-          <a:xfrm rot="5400000">
-            <a:off x="1845998" y="3882760"/>
-            <a:ext cx="403760" cy="1"/>
+          <a:xfrm flipV="1">
+            <a:off x="1837486" y="2551460"/>
+            <a:ext cx="349824" cy="423885"/>
           </a:xfrm>
           <a:prstGeom prst="bentConnector3">
             <a:avLst>
@@ -5409,7 +5260,7 @@
         </p:nvSpPr>
         <p:spPr>
           <a:xfrm>
-            <a:off x="3082312" y="1513626"/>
+            <a:off x="3597341" y="3871425"/>
             <a:ext cx="629816" cy="307777"/>
           </a:xfrm>
           <a:prstGeom prst="rect">
@@ -5446,7 +5297,7 @@
         </p:nvSpPr>
         <p:spPr>
           <a:xfrm>
-            <a:off x="704580" y="3158181"/>
+            <a:off x="950587" y="3564060"/>
             <a:ext cx="504013" cy="307777"/>
           </a:xfrm>
           <a:prstGeom prst="rect">
@@ -5480,15 +5331,15 @@
           </p:cNvPr>
           <p:cNvCxnSpPr>
             <a:cxnSpLocks/>
-            <a:stCxn id="50" idx="1"/>
-            <a:endCxn id="251" idx="3"/>
+            <a:stCxn id="50" idx="2"/>
+            <a:endCxn id="251" idx="0"/>
           </p:cNvCxnSpPr>
           <p:nvPr/>
         </p:nvCxnSpPr>
         <p:spPr>
-          <a:xfrm flipH="1">
-            <a:off x="1208593" y="3312069"/>
-            <a:ext cx="204393" cy="1"/>
+          <a:xfrm>
+            <a:off x="1202594" y="3344156"/>
+            <a:ext cx="0" cy="219904"/>
           </a:xfrm>
           <a:prstGeom prst="straightConnector1">
             <a:avLst/>
@@ -5530,8 +5381,8 @@
         </p:nvCxnSpPr>
         <p:spPr>
           <a:xfrm flipH="1" flipV="1">
-            <a:off x="2512559" y="2288602"/>
-            <a:ext cx="304273" cy="172"/>
+            <a:off x="3116670" y="3386141"/>
+            <a:ext cx="219504" cy="1"/>
           </a:xfrm>
           <a:prstGeom prst="straightConnector1">
             <a:avLst/>
@@ -5566,15 +5417,15 @@
           </p:cNvPr>
           <p:cNvCxnSpPr>
             <a:cxnSpLocks/>
-            <a:stCxn id="46" idx="0"/>
-            <a:endCxn id="220" idx="2"/>
+            <a:stCxn id="46" idx="2"/>
+            <a:endCxn id="220" idx="0"/>
           </p:cNvCxnSpPr>
           <p:nvPr/>
         </p:nvCxnSpPr>
         <p:spPr>
-          <a:xfrm flipH="1" flipV="1">
-            <a:off x="3397220" y="1821403"/>
-            <a:ext cx="1" cy="204134"/>
+          <a:xfrm flipH="1">
+            <a:off x="3912249" y="3649378"/>
+            <a:ext cx="4314" cy="222047"/>
           </a:xfrm>
           <a:prstGeom prst="straightConnector1">
             <a:avLst/>
@@ -5598,49 +5449,6 @@
           </a:fontRef>
         </p:style>
       </p:cxnSp>
-      <p:cxnSp>
-        <p:nvCxnSpPr>
-          <p:cNvPr id="306" name="Straight Arrow Connector 305">
-            <a:extLst>
-              <a:ext uri="{FF2B5EF4-FFF2-40B4-BE49-F238E27FC236}">
-                <a16:creationId xmlns:a16="http://schemas.microsoft.com/office/drawing/2014/main" id="{B0D2D284-A4C1-DA94-9726-FCA5DC3C07FA}"/>
-              </a:ext>
-            </a:extLst>
-          </p:cNvPr>
-          <p:cNvCxnSpPr>
-            <a:cxnSpLocks/>
-            <a:stCxn id="46" idx="2"/>
-            <a:endCxn id="8" idx="1"/>
-          </p:cNvCxnSpPr>
-          <p:nvPr/>
-        </p:nvCxnSpPr>
-        <p:spPr>
-          <a:xfrm rot="16200000" flipH="1">
-            <a:off x="4730971" y="1218260"/>
-            <a:ext cx="295813" cy="2963312"/>
-          </a:xfrm>
-          <a:prstGeom prst="bentConnector2">
-            <a:avLst/>
-          </a:prstGeom>
-          <a:ln>
-            <a:tailEnd type="triangle"/>
-          </a:ln>
-        </p:spPr>
-        <p:style>
-          <a:lnRef idx="2">
-            <a:schemeClr val="accent1"/>
-          </a:lnRef>
-          <a:fillRef idx="0">
-            <a:schemeClr val="accent1"/>
-          </a:fillRef>
-          <a:effectRef idx="1">
-            <a:schemeClr val="accent1"/>
-          </a:effectRef>
-          <a:fontRef idx="minor">
-            <a:schemeClr val="tx1"/>
-          </a:fontRef>
-        </p:style>
-      </p:cxnSp>
       <p:sp>
         <p:nvSpPr>
           <p:cNvPr id="395" name="Rectangle 394">
@@ -5655,8 +5463,8 @@
         </p:nvSpPr>
         <p:spPr>
           <a:xfrm>
-            <a:off x="7915767" y="4919288"/>
-            <a:ext cx="1797685" cy="294148"/>
+            <a:off x="5191086" y="4958340"/>
+            <a:ext cx="1029621" cy="548638"/>
           </a:xfrm>
           <a:prstGeom prst="rect">
             <a:avLst/>
@@ -5698,7 +5506,18 @@
                   <a:schemeClr val="bg1"/>
                 </a:solidFill>
               </a:rPr>
-              <a:t>Telemetry store</a:t>
+              <a:t>Telemetry</a:t>
+            </a:r>
+          </a:p>
+          <a:p>
+            <a:pPr algn="ctr"/>
+            <a:r>
+              <a:rPr lang="en-US" sz="1400" dirty="0">
+                <a:solidFill>
+                  <a:schemeClr val="bg1"/>
+                </a:solidFill>
+              </a:rPr>
+              <a:t>store</a:t>
             </a:r>
             <a:endParaRPr lang="en-GB" sz="1400" dirty="0">
               <a:solidFill>
@@ -5722,8 +5541,8 @@
         </p:nvSpPr>
         <p:spPr>
           <a:xfrm>
-            <a:off x="7577740" y="1893313"/>
-            <a:ext cx="2772268" cy="858010"/>
+            <a:off x="7904974" y="1999043"/>
+            <a:ext cx="2772268" cy="915395"/>
           </a:xfrm>
           <a:custGeom>
             <a:avLst/>
@@ -5818,7 +5637,7 @@
         </p:nvSpPr>
         <p:spPr>
           <a:xfrm>
-            <a:off x="6685613" y="1414688"/>
+            <a:off x="7002854" y="1521990"/>
             <a:ext cx="1294768" cy="481687"/>
           </a:xfrm>
           <a:prstGeom prst="rect">
@@ -5883,8 +5702,8 @@
         </p:nvSpPr>
         <p:spPr>
           <a:xfrm>
-            <a:off x="9205911" y="1901489"/>
-            <a:ext cx="1144098" cy="764526"/>
+            <a:off x="9538540" y="2009113"/>
+            <a:ext cx="1144098" cy="801817"/>
           </a:xfrm>
           <a:custGeom>
             <a:avLst/>
@@ -5967,66 +5786,24 @@
       </p:sp>
       <p:cxnSp>
         <p:nvCxnSpPr>
-          <p:cNvPr id="413" name="Straight Arrow Connector 32">
-            <a:extLst>
-              <a:ext uri="{FF2B5EF4-FFF2-40B4-BE49-F238E27FC236}">
-                <a16:creationId xmlns:a16="http://schemas.microsoft.com/office/drawing/2014/main" id="{FD0C6A20-73DE-D680-A1E4-E69C784C9FDA}"/>
+          <p:cNvPr id="415" name="Straight Arrow Connector 32">
+            <a:extLst>
+              <a:ext uri="{FF2B5EF4-FFF2-40B4-BE49-F238E27FC236}">
+                <a16:creationId xmlns:a16="http://schemas.microsoft.com/office/drawing/2014/main" id="{561295BE-DB14-7DE9-63EB-25C538968D5B}"/>
               </a:ext>
             </a:extLst>
           </p:cNvPr>
           <p:cNvCxnSpPr>
             <a:cxnSpLocks/>
+            <a:stCxn id="8" idx="2"/>
+            <a:endCxn id="7" idx="0"/>
           </p:cNvCxnSpPr>
           <p:nvPr/>
         </p:nvCxnSpPr>
         <p:spPr>
           <a:xfrm rot="5400000">
-            <a:off x="7328730" y="3477130"/>
-            <a:ext cx="742873" cy="1"/>
-          </a:xfrm>
-          <a:prstGeom prst="bentConnector3">
-            <a:avLst>
-              <a:gd name="adj1" fmla="val 50000"/>
-            </a:avLst>
-          </a:prstGeom>
-          <a:ln>
-            <a:headEnd type="triangle"/>
-            <a:tailEnd type="triangle"/>
-          </a:ln>
-        </p:spPr>
-        <p:style>
-          <a:lnRef idx="2">
-            <a:schemeClr val="accent1"/>
-          </a:lnRef>
-          <a:fillRef idx="0">
-            <a:schemeClr val="accent1"/>
-          </a:fillRef>
-          <a:effectRef idx="1">
-            <a:schemeClr val="accent1"/>
-          </a:effectRef>
-          <a:fontRef idx="minor">
-            <a:schemeClr val="tx1"/>
-          </a:fontRef>
-        </p:style>
-      </p:cxnSp>
-      <p:cxnSp>
-        <p:nvCxnSpPr>
-          <p:cNvPr id="415" name="Straight Arrow Connector 32">
-            <a:extLst>
-              <a:ext uri="{FF2B5EF4-FFF2-40B4-BE49-F238E27FC236}">
-                <a16:creationId xmlns:a16="http://schemas.microsoft.com/office/drawing/2014/main" id="{561295BE-DB14-7DE9-63EB-25C538968D5B}"/>
-              </a:ext>
-            </a:extLst>
-          </p:cNvPr>
-          <p:cNvCxnSpPr>
-            <a:cxnSpLocks/>
-          </p:cNvCxnSpPr>
-          <p:nvPr/>
-        </p:nvCxnSpPr>
-        <p:spPr>
-          <a:xfrm rot="5400000">
-            <a:off x="6180588" y="3026037"/>
-            <a:ext cx="742873" cy="1"/>
+            <a:off x="7528724" y="3496224"/>
+            <a:ext cx="245002" cy="1973"/>
           </a:xfrm>
           <a:prstGeom prst="bentConnector3">
             <a:avLst>
@@ -6054,10 +5831,10 @@
       </p:cxnSp>
       <p:sp>
         <p:nvSpPr>
-          <p:cNvPr id="8" name="Rectangle 7">
-            <a:extLst>
-              <a:ext uri="{FF2B5EF4-FFF2-40B4-BE49-F238E27FC236}">
-                <a16:creationId xmlns:a16="http://schemas.microsoft.com/office/drawing/2014/main" id="{CFF21A25-AD6A-B68F-6911-C9B142BB5D54}"/>
+          <p:cNvPr id="50" name="Rectangle 49">
+            <a:extLst>
+              <a:ext uri="{FF2B5EF4-FFF2-40B4-BE49-F238E27FC236}">
+                <a16:creationId xmlns:a16="http://schemas.microsoft.com/office/drawing/2014/main" id="{674A2BA8-BCC4-2D75-52AB-1EA0A2A8096B}"/>
               </a:ext>
             </a:extLst>
           </p:cNvPr>
@@ -6066,8 +5843,8 @@
         </p:nvSpPr>
         <p:spPr>
           <a:xfrm>
-            <a:off x="6360533" y="2584586"/>
-            <a:ext cx="1948873" cy="526473"/>
+            <a:off x="567702" y="2606533"/>
+            <a:ext cx="1269784" cy="737623"/>
           </a:xfrm>
           <a:prstGeom prst="rect">
             <a:avLst/>
@@ -6096,7 +5873,14 @@
             <a:pPr algn="ctr"/>
             <a:r>
               <a:rPr lang="en-US" sz="1400" dirty="0"/>
-              <a:t>Backend</a:t>
+              <a:t>Data</a:t>
+            </a:r>
+          </a:p>
+          <a:p>
+            <a:pPr algn="ctr"/>
+            <a:r>
+              <a:rPr lang="en-US" sz="1400" dirty="0"/>
+              <a:t>generator</a:t>
             </a:r>
           </a:p>
           <a:p>
@@ -6107,22 +5891,18 @@
                   <a:srgbClr val="FFC000"/>
                 </a:solidFill>
               </a:rPr>
-              <a:t>Minimal API</a:t>
-            </a:r>
-            <a:endParaRPr lang="en-GB" sz="1100" dirty="0">
-              <a:solidFill>
-                <a:srgbClr val="FFC000"/>
-              </a:solidFill>
-            </a:endParaRPr>
-          </a:p>
-        </p:txBody>
-      </p:sp>
-      <p:sp>
-        <p:nvSpPr>
-          <p:cNvPr id="50" name="Rectangle 49">
-            <a:extLst>
-              <a:ext uri="{FF2B5EF4-FFF2-40B4-BE49-F238E27FC236}">
-                <a16:creationId xmlns:a16="http://schemas.microsoft.com/office/drawing/2014/main" id="{674A2BA8-BCC4-2D75-52AB-1EA0A2A8096B}"/>
+              <a:t>Console app</a:t>
+            </a:r>
+            <a:endParaRPr lang="en-GB" sz="1100" dirty="0"/>
+          </a:p>
+        </p:txBody>
+      </p:sp>
+      <p:sp>
+        <p:nvSpPr>
+          <p:cNvPr id="64" name="Rectangle: Single Corner Snipped 63">
+            <a:extLst>
+              <a:ext uri="{FF2B5EF4-FFF2-40B4-BE49-F238E27FC236}">
+                <a16:creationId xmlns:a16="http://schemas.microsoft.com/office/drawing/2014/main" id="{4DD791EA-365C-9651-C897-3A3599B85523}"/>
               </a:ext>
             </a:extLst>
           </p:cNvPr>
@@ -6131,12 +5911,15 @@
         </p:nvSpPr>
         <p:spPr>
           <a:xfrm>
-            <a:off x="1412986" y="2943257"/>
-            <a:ext cx="1269784" cy="737623"/>
-          </a:xfrm>
-          <a:prstGeom prst="rect">
+            <a:off x="5271617" y="2506289"/>
+            <a:ext cx="1141624" cy="619125"/>
+          </a:xfrm>
+          <a:prstGeom prst="snip1Rect">
             <a:avLst/>
           </a:prstGeom>
+          <a:solidFill>
+            <a:schemeClr val="bg1"/>
+          </a:solidFill>
         </p:spPr>
         <p:style>
           <a:lnRef idx="2">
@@ -6160,16 +5943,122 @@
           <a:p>
             <a:pPr algn="ctr"/>
             <a:r>
+              <a:rPr lang="en-US" sz="1050" dirty="0">
+                <a:solidFill>
+                  <a:schemeClr val="tx1"/>
+                </a:solidFill>
+              </a:rPr>
+              <a:t>Test data, PDFs </a:t>
+            </a:r>
+            <a:r>
+              <a:rPr lang="en-US" sz="900" dirty="0">
+                <a:solidFill>
+                  <a:schemeClr val="tx1"/>
+                </a:solidFill>
+              </a:rPr>
+              <a:t>(chunked + embedded)</a:t>
+            </a:r>
+            <a:endParaRPr lang="en-GB" sz="900" dirty="0">
+              <a:solidFill>
+                <a:schemeClr val="tx1"/>
+              </a:solidFill>
+            </a:endParaRPr>
+          </a:p>
+        </p:txBody>
+      </p:sp>
+      <p:cxnSp>
+        <p:nvCxnSpPr>
+          <p:cNvPr id="74" name="Straight Arrow Connector 32">
+            <a:extLst>
+              <a:ext uri="{FF2B5EF4-FFF2-40B4-BE49-F238E27FC236}">
+                <a16:creationId xmlns:a16="http://schemas.microsoft.com/office/drawing/2014/main" id="{4958C12C-1366-19BD-9A17-BF2C56C4ABBE}"/>
+              </a:ext>
+            </a:extLst>
+          </p:cNvPr>
+          <p:cNvCxnSpPr>
+            <a:cxnSpLocks/>
+            <a:endCxn id="64" idx="0"/>
+          </p:cNvCxnSpPr>
+          <p:nvPr/>
+        </p:nvCxnSpPr>
+        <p:spPr>
+          <a:xfrm flipH="1" flipV="1">
+            <a:off x="6413241" y="2815852"/>
+            <a:ext cx="515876" cy="14127"/>
+          </a:xfrm>
+          <a:prstGeom prst="straightConnector1">
+            <a:avLst/>
+          </a:prstGeom>
+          <a:ln>
+            <a:tailEnd type="triangle"/>
+          </a:ln>
+        </p:spPr>
+        <p:style>
+          <a:lnRef idx="2">
+            <a:schemeClr val="accent1"/>
+          </a:lnRef>
+          <a:fillRef idx="0">
+            <a:schemeClr val="accent1"/>
+          </a:fillRef>
+          <a:effectRef idx="1">
+            <a:schemeClr val="accent1"/>
+          </a:effectRef>
+          <a:fontRef idx="minor">
+            <a:schemeClr val="tx1"/>
+          </a:fontRef>
+        </p:style>
+      </p:cxnSp>
+      <p:sp>
+        <p:nvSpPr>
+          <p:cNvPr id="46" name="Rectangle 45">
+            <a:extLst>
+              <a:ext uri="{FF2B5EF4-FFF2-40B4-BE49-F238E27FC236}">
+                <a16:creationId xmlns:a16="http://schemas.microsoft.com/office/drawing/2014/main" id="{7E3DEA83-B278-A207-2DCE-7009F8DA06CC}"/>
+              </a:ext>
+            </a:extLst>
+          </p:cNvPr>
+          <p:cNvSpPr/>
+          <p:nvPr/>
+        </p:nvSpPr>
+        <p:spPr>
+          <a:xfrm>
+            <a:off x="3336174" y="3122905"/>
+            <a:ext cx="1160778" cy="526473"/>
+          </a:xfrm>
+          <a:prstGeom prst="rect">
+            <a:avLst/>
+          </a:prstGeom>
+        </p:spPr>
+        <p:style>
+          <a:lnRef idx="2">
+            <a:schemeClr val="accent1">
+              <a:shade val="15000"/>
+            </a:schemeClr>
+          </a:lnRef>
+          <a:fillRef idx="1">
+            <a:schemeClr val="accent1"/>
+          </a:fillRef>
+          <a:effectRef idx="0">
+            <a:schemeClr val="accent1"/>
+          </a:effectRef>
+          <a:fontRef idx="minor">
+            <a:schemeClr val="lt1"/>
+          </a:fontRef>
+        </p:style>
+        <p:txBody>
+          <a:bodyPr rtlCol="0" anchor="ctr"/>
+          <a:lstStyle/>
+          <a:p>
+            <a:pPr algn="ctr"/>
+            <a:r>
               <a:rPr lang="en-US" sz="1400" dirty="0"/>
-              <a:t>Data</a:t>
-            </a:r>
-          </a:p>
-          <a:p>
-            <a:pPr algn="ctr"/>
-            <a:r>
-              <a:rPr lang="en-US" sz="1400" dirty="0"/>
-              <a:t>generator</a:t>
-            </a:r>
+              <a:t>Evaluator</a:t>
+            </a:r>
+            <a:endParaRPr lang="en-US" sz="1400" dirty="0">
+              <a:solidFill>
+                <a:srgbClr val="FFC000"/>
+              </a:solidFill>
+            </a:endParaRPr>
           </a:p>
           <a:p>
             <a:pPr algn="ctr"/>
@@ -6181,10 +6070,116 @@
               </a:rPr>
               <a:t>Console app</a:t>
             </a:r>
-            <a:endParaRPr lang="en-GB" sz="1100" dirty="0"/>
-          </a:p>
-        </p:txBody>
-      </p:sp>
+            <a:endParaRPr lang="en-GB" sz="1400" dirty="0"/>
+          </a:p>
+        </p:txBody>
+      </p:sp>
+      <p:sp>
+        <p:nvSpPr>
+          <p:cNvPr id="8" name="Rectangle 7">
+            <a:extLst>
+              <a:ext uri="{FF2B5EF4-FFF2-40B4-BE49-F238E27FC236}">
+                <a16:creationId xmlns:a16="http://schemas.microsoft.com/office/drawing/2014/main" id="{CFF21A25-AD6A-B68F-6911-C9B142BB5D54}"/>
+              </a:ext>
+            </a:extLst>
+          </p:cNvPr>
+          <p:cNvSpPr/>
+          <p:nvPr/>
+        </p:nvSpPr>
+        <p:spPr>
+          <a:xfrm>
+            <a:off x="6929117" y="2691888"/>
+            <a:ext cx="1446188" cy="682821"/>
+          </a:xfrm>
+          <a:prstGeom prst="rect">
+            <a:avLst/>
+          </a:prstGeom>
+        </p:spPr>
+        <p:style>
+          <a:lnRef idx="2">
+            <a:schemeClr val="accent1">
+              <a:shade val="15000"/>
+            </a:schemeClr>
+          </a:lnRef>
+          <a:fillRef idx="1">
+            <a:schemeClr val="accent1"/>
+          </a:fillRef>
+          <a:effectRef idx="0">
+            <a:schemeClr val="accent1"/>
+          </a:effectRef>
+          <a:fontRef idx="minor">
+            <a:schemeClr val="lt1"/>
+          </a:fontRef>
+        </p:style>
+        <p:txBody>
+          <a:bodyPr rtlCol="0" anchor="ctr"/>
+          <a:lstStyle/>
+          <a:p>
+            <a:pPr algn="ctr"/>
+            <a:r>
+              <a:rPr lang="en-US" sz="1400" dirty="0"/>
+              <a:t>Backend</a:t>
+            </a:r>
+          </a:p>
+          <a:p>
+            <a:pPr algn="ctr"/>
+            <a:r>
+              <a:rPr lang="en-US" sz="1100" dirty="0">
+                <a:solidFill>
+                  <a:srgbClr val="FFC000"/>
+                </a:solidFill>
+              </a:rPr>
+              <a:t>Minimal API</a:t>
+            </a:r>
+            <a:endParaRPr lang="en-GB" sz="1100" dirty="0">
+              <a:solidFill>
+                <a:srgbClr val="FFC000"/>
+              </a:solidFill>
+            </a:endParaRPr>
+          </a:p>
+        </p:txBody>
+      </p:sp>
+      <p:cxnSp>
+        <p:nvCxnSpPr>
+          <p:cNvPr id="288" name="Straight Arrow Connector 287">
+            <a:extLst>
+              <a:ext uri="{FF2B5EF4-FFF2-40B4-BE49-F238E27FC236}">
+                <a16:creationId xmlns:a16="http://schemas.microsoft.com/office/drawing/2014/main" id="{94E54B0F-FDCB-CD4D-43C5-A79F6245ADE2}"/>
+              </a:ext>
+            </a:extLst>
+          </p:cNvPr>
+          <p:cNvCxnSpPr>
+            <a:cxnSpLocks/>
+          </p:cNvCxnSpPr>
+          <p:nvPr/>
+        </p:nvCxnSpPr>
+        <p:spPr>
+          <a:xfrm>
+            <a:off x="4496952" y="3257608"/>
+            <a:ext cx="2432165" cy="0"/>
+          </a:xfrm>
+          <a:prstGeom prst="straightConnector1">
+            <a:avLst/>
+          </a:prstGeom>
+          <a:ln>
+            <a:tailEnd type="triangle"/>
+          </a:ln>
+        </p:spPr>
+        <p:style>
+          <a:lnRef idx="2">
+            <a:schemeClr val="accent1"/>
+          </a:lnRef>
+          <a:fillRef idx="0">
+            <a:schemeClr val="accent1"/>
+          </a:fillRef>
+          <a:effectRef idx="1">
+            <a:schemeClr val="accent1"/>
+          </a:effectRef>
+          <a:fontRef idx="minor">
+            <a:schemeClr val="tx1"/>
+          </a:fontRef>
+        </p:style>
+      </p:cxnSp>
     </p:spTree>
     <p:extLst>
       <p:ext uri="{BB962C8B-B14F-4D97-AF65-F5344CB8AC3E}">

--- a/docs/Architecture.pptx
+++ b/docs/Architecture.pptx
@@ -197,7 +197,7 @@
           <a:p>
             <a:fld id="{CD1234DD-D530-4088-9696-B76104080BA1}" type="datetimeFigureOut">
               <a:rPr lang="en-GB" smtClean="0"/>
-              <a:t>30/04/2024</a:t>
+              <a:t>02/05/2024</a:t>
             </a:fld>
             <a:endParaRPr lang="en-GB"/>
           </a:p>
@@ -698,7 +698,7 @@
           <a:p>
             <a:fld id="{EA1EA240-5E71-482C-8C15-5096EB54D635}" type="datetimeFigureOut">
               <a:rPr lang="en-GB" smtClean="0"/>
-              <a:t>30/04/2024</a:t>
+              <a:t>02/05/2024</a:t>
             </a:fld>
             <a:endParaRPr lang="en-GB"/>
           </a:p>
@@ -898,7 +898,7 @@
           <a:p>
             <a:fld id="{EA1EA240-5E71-482C-8C15-5096EB54D635}" type="datetimeFigureOut">
               <a:rPr lang="en-GB" smtClean="0"/>
-              <a:t>30/04/2024</a:t>
+              <a:t>02/05/2024</a:t>
             </a:fld>
             <a:endParaRPr lang="en-GB"/>
           </a:p>
@@ -1108,7 +1108,7 @@
           <a:p>
             <a:fld id="{EA1EA240-5E71-482C-8C15-5096EB54D635}" type="datetimeFigureOut">
               <a:rPr lang="en-GB" smtClean="0"/>
-              <a:t>30/04/2024</a:t>
+              <a:t>02/05/2024</a:t>
             </a:fld>
             <a:endParaRPr lang="en-GB"/>
           </a:p>
@@ -1308,7 +1308,7 @@
           <a:p>
             <a:fld id="{EA1EA240-5E71-482C-8C15-5096EB54D635}" type="datetimeFigureOut">
               <a:rPr lang="en-GB" smtClean="0"/>
-              <a:t>30/04/2024</a:t>
+              <a:t>02/05/2024</a:t>
             </a:fld>
             <a:endParaRPr lang="en-GB"/>
           </a:p>
@@ -1584,7 +1584,7 @@
           <a:p>
             <a:fld id="{EA1EA240-5E71-482C-8C15-5096EB54D635}" type="datetimeFigureOut">
               <a:rPr lang="en-GB" smtClean="0"/>
-              <a:t>30/04/2024</a:t>
+              <a:t>02/05/2024</a:t>
             </a:fld>
             <a:endParaRPr lang="en-GB"/>
           </a:p>
@@ -1852,7 +1852,7 @@
           <a:p>
             <a:fld id="{EA1EA240-5E71-482C-8C15-5096EB54D635}" type="datetimeFigureOut">
               <a:rPr lang="en-GB" smtClean="0"/>
-              <a:t>30/04/2024</a:t>
+              <a:t>02/05/2024</a:t>
             </a:fld>
             <a:endParaRPr lang="en-GB"/>
           </a:p>
@@ -2267,7 +2267,7 @@
           <a:p>
             <a:fld id="{EA1EA240-5E71-482C-8C15-5096EB54D635}" type="datetimeFigureOut">
               <a:rPr lang="en-GB" smtClean="0"/>
-              <a:t>30/04/2024</a:t>
+              <a:t>02/05/2024</a:t>
             </a:fld>
             <a:endParaRPr lang="en-GB"/>
           </a:p>
@@ -2409,7 +2409,7 @@
           <a:p>
             <a:fld id="{EA1EA240-5E71-482C-8C15-5096EB54D635}" type="datetimeFigureOut">
               <a:rPr lang="en-GB" smtClean="0"/>
-              <a:t>30/04/2024</a:t>
+              <a:t>02/05/2024</a:t>
             </a:fld>
             <a:endParaRPr lang="en-GB"/>
           </a:p>
@@ -2522,7 +2522,7 @@
           <a:p>
             <a:fld id="{EA1EA240-5E71-482C-8C15-5096EB54D635}" type="datetimeFigureOut">
               <a:rPr lang="en-GB" smtClean="0"/>
-              <a:t>30/04/2024</a:t>
+              <a:t>02/05/2024</a:t>
             </a:fld>
             <a:endParaRPr lang="en-GB"/>
           </a:p>
@@ -2835,7 +2835,7 @@
           <a:p>
             <a:fld id="{EA1EA240-5E71-482C-8C15-5096EB54D635}" type="datetimeFigureOut">
               <a:rPr lang="en-GB" smtClean="0"/>
-              <a:t>30/04/2024</a:t>
+              <a:t>02/05/2024</a:t>
             </a:fld>
             <a:endParaRPr lang="en-GB"/>
           </a:p>
@@ -3124,7 +3124,7 @@
           <a:p>
             <a:fld id="{EA1EA240-5E71-482C-8C15-5096EB54D635}" type="datetimeFigureOut">
               <a:rPr lang="en-GB" smtClean="0"/>
-              <a:t>30/04/2024</a:t>
+              <a:t>02/05/2024</a:t>
             </a:fld>
             <a:endParaRPr lang="en-GB"/>
           </a:p>
@@ -3367,7 +3367,7 @@
           <a:p>
             <a:fld id="{EA1EA240-5E71-482C-8C15-5096EB54D635}" type="datetimeFigureOut">
               <a:rPr lang="en-GB" smtClean="0"/>
-              <a:t>30/04/2024</a:t>
+              <a:t>02/05/2024</a:t>
             </a:fld>
             <a:endParaRPr lang="en-GB"/>
           </a:p>
@@ -4559,7 +4559,7 @@
         </p:nvSpPr>
         <p:spPr>
           <a:xfrm>
-            <a:off x="8824378" y="3763257"/>
+            <a:off x="8824378" y="4558301"/>
             <a:ext cx="1237430" cy="877700"/>
           </a:xfrm>
           <a:prstGeom prst="rect">
@@ -4621,19 +4621,17 @@
           </p:cNvPr>
           <p:cNvCxnSpPr>
             <a:cxnSpLocks/>
-            <a:stCxn id="8" idx="2"/>
-            <a:endCxn id="32" idx="0"/>
           </p:cNvCxnSpPr>
           <p:nvPr/>
         </p:nvCxnSpPr>
         <p:spPr>
           <a:xfrm rot="16200000" flipH="1">
-            <a:off x="8353378" y="2673542"/>
-            <a:ext cx="388548" cy="1790882"/>
+            <a:off x="8037095" y="3579325"/>
+            <a:ext cx="1300563" cy="657390"/>
           </a:xfrm>
           <a:prstGeom prst="bentConnector3">
             <a:avLst>
-              <a:gd name="adj1" fmla="val -44855"/>
+              <a:gd name="adj1" fmla="val -2092"/>
             </a:avLst>
           </a:prstGeom>
           <a:ln>
@@ -4705,7 +4703,7 @@
             <a:pPr algn="ctr"/>
             <a:r>
               <a:rPr lang="en-US" sz="1400" dirty="0"/>
-              <a:t>LLM service</a:t>
+              <a:t>LLM</a:t>
             </a:r>
             <a:endParaRPr lang="en-US" sz="1400" dirty="0">
               <a:solidFill>
@@ -5463,7 +5461,7 @@
         </p:nvSpPr>
         <p:spPr>
           <a:xfrm>
-            <a:off x="5191086" y="4958340"/>
+            <a:off x="5282531" y="4892657"/>
             <a:ext cx="1029621" cy="548638"/>
           </a:xfrm>
           <a:prstGeom prst="rect">
@@ -5529,10 +5527,10 @@
       </p:sp>
       <p:sp>
         <p:nvSpPr>
-          <p:cNvPr id="407" name="Freeform: Shape 406">
-            <a:extLst>
-              <a:ext uri="{FF2B5EF4-FFF2-40B4-BE49-F238E27FC236}">
-                <a16:creationId xmlns:a16="http://schemas.microsoft.com/office/drawing/2014/main" id="{67581134-9381-1DF9-4852-69C4FCD4B846}"/>
+          <p:cNvPr id="14" name="Rectangle 13">
+            <a:extLst>
+              <a:ext uri="{FF2B5EF4-FFF2-40B4-BE49-F238E27FC236}">
+                <a16:creationId xmlns:a16="http://schemas.microsoft.com/office/drawing/2014/main" id="{EDF6F3E4-CAB6-3183-DF39-5CA670D1E979}"/>
               </a:ext>
             </a:extLst>
           </p:cNvPr>
@@ -5541,62 +5539,12 @@
         </p:nvSpPr>
         <p:spPr>
           <a:xfrm>
-            <a:off x="7904974" y="1999043"/>
-            <a:ext cx="2772268" cy="915395"/>
-          </a:xfrm>
-          <a:custGeom>
+            <a:off x="7002854" y="1521990"/>
+            <a:ext cx="1294768" cy="481687"/>
+          </a:xfrm>
+          <a:prstGeom prst="rect">
             <a:avLst/>
-            <a:gdLst>
-              <a:gd name="connsiteX0" fmla="*/ 0 w 2941782"/>
-              <a:gd name="connsiteY0" fmla="*/ 0 h 798946"/>
-              <a:gd name="connsiteX1" fmla="*/ 2941782 w 2941782"/>
-              <a:gd name="connsiteY1" fmla="*/ 798946 h 798946"/>
-              <a:gd name="connsiteX0" fmla="*/ 0 w 2941782"/>
-              <a:gd name="connsiteY0" fmla="*/ 0 h 798946"/>
-              <a:gd name="connsiteX1" fmla="*/ 2941782 w 2941782"/>
-              <a:gd name="connsiteY1" fmla="*/ 798946 h 798946"/>
-              <a:gd name="connsiteX0" fmla="*/ 0 w 2941782"/>
-              <a:gd name="connsiteY0" fmla="*/ 0 h 798946"/>
-              <a:gd name="connsiteX1" fmla="*/ 2941782 w 2941782"/>
-              <a:gd name="connsiteY1" fmla="*/ 798946 h 798946"/>
-              <a:gd name="connsiteX0" fmla="*/ 0 w 2941782"/>
-              <a:gd name="connsiteY0" fmla="*/ 0 h 798946"/>
-              <a:gd name="connsiteX1" fmla="*/ 2941782 w 2941782"/>
-              <a:gd name="connsiteY1" fmla="*/ 798946 h 798946"/>
-            </a:gdLst>
-            <a:ahLst/>
-            <a:cxnLst>
-              <a:cxn ang="0">
-                <a:pos x="connsiteX0" y="connsiteY0"/>
-              </a:cxn>
-              <a:cxn ang="0">
-                <a:pos x="connsiteX1" y="connsiteY1"/>
-              </a:cxn>
-            </a:cxnLst>
-            <a:rect l="l" t="t" r="r" b="b"/>
-            <a:pathLst>
-              <a:path w="2941782" h="798946">
-                <a:moveTo>
-                  <a:pt x="0" y="0"/>
-                </a:moveTo>
-                <a:cubicBezTo>
-                  <a:pt x="829348" y="492693"/>
-                  <a:pt x="1923725" y="712347"/>
-                  <a:pt x="2941782" y="798946"/>
-                </a:cubicBezTo>
-              </a:path>
-            </a:pathLst>
-          </a:custGeom>
-          <a:noFill/>
-          <a:ln w="12700">
-            <a:solidFill>
-              <a:schemeClr val="bg1">
-                <a:lumMod val="50000"/>
-              </a:schemeClr>
-            </a:solidFill>
-            <a:prstDash val="sysDot"/>
-            <a:tailEnd type="triangle"/>
-          </a:ln>
+          </a:prstGeom>
         </p:spPr>
         <p:style>
           <a:lnRef idx="2">
@@ -5619,52 +5567,6 @@
           <a:lstStyle/>
           <a:p>
             <a:pPr algn="ctr"/>
-            <a:endParaRPr lang="en-GB"/>
-          </a:p>
-        </p:txBody>
-      </p:sp>
-      <p:sp>
-        <p:nvSpPr>
-          <p:cNvPr id="14" name="Rectangle 13">
-            <a:extLst>
-              <a:ext uri="{FF2B5EF4-FFF2-40B4-BE49-F238E27FC236}">
-                <a16:creationId xmlns:a16="http://schemas.microsoft.com/office/drawing/2014/main" id="{EDF6F3E4-CAB6-3183-DF39-5CA670D1E979}"/>
-              </a:ext>
-            </a:extLst>
-          </p:cNvPr>
-          <p:cNvSpPr/>
-          <p:nvPr/>
-        </p:nvSpPr>
-        <p:spPr>
-          <a:xfrm>
-            <a:off x="7002854" y="1521990"/>
-            <a:ext cx="1294768" cy="481687"/>
-          </a:xfrm>
-          <a:prstGeom prst="rect">
-            <a:avLst/>
-          </a:prstGeom>
-        </p:spPr>
-        <p:style>
-          <a:lnRef idx="2">
-            <a:schemeClr val="accent1">
-              <a:shade val="15000"/>
-            </a:schemeClr>
-          </a:lnRef>
-          <a:fillRef idx="1">
-            <a:schemeClr val="accent1"/>
-          </a:fillRef>
-          <a:effectRef idx="0">
-            <a:schemeClr val="accent1"/>
-          </a:effectRef>
-          <a:fontRef idx="minor">
-            <a:schemeClr val="lt1"/>
-          </a:fontRef>
-        </p:style>
-        <p:txBody>
-          <a:bodyPr rtlCol="0" anchor="ctr"/>
-          <a:lstStyle/>
-          <a:p>
-            <a:pPr algn="ctr"/>
             <a:r>
               <a:rPr lang="en-US" sz="1400" dirty="0"/>
               <a:t>Staff web UI</a:t>
@@ -5685,102 +5587,6 @@
                 <a:srgbClr val="FFC000"/>
               </a:solidFill>
             </a:endParaRPr>
-          </a:p>
-        </p:txBody>
-      </p:sp>
-      <p:sp>
-        <p:nvSpPr>
-          <p:cNvPr id="408" name="Freeform: Shape 407">
-            <a:extLst>
-              <a:ext uri="{FF2B5EF4-FFF2-40B4-BE49-F238E27FC236}">
-                <a16:creationId xmlns:a16="http://schemas.microsoft.com/office/drawing/2014/main" id="{FF1418CC-8632-CE39-2ECE-8681452B5FAA}"/>
-              </a:ext>
-            </a:extLst>
-          </p:cNvPr>
-          <p:cNvSpPr/>
-          <p:nvPr/>
-        </p:nvSpPr>
-        <p:spPr>
-          <a:xfrm>
-            <a:off x="9538540" y="2009113"/>
-            <a:ext cx="1144098" cy="801817"/>
-          </a:xfrm>
-          <a:custGeom>
-            <a:avLst/>
-            <a:gdLst>
-              <a:gd name="connsiteX0" fmla="*/ 0 w 2941782"/>
-              <a:gd name="connsiteY0" fmla="*/ 0 h 798946"/>
-              <a:gd name="connsiteX1" fmla="*/ 2941782 w 2941782"/>
-              <a:gd name="connsiteY1" fmla="*/ 798946 h 798946"/>
-              <a:gd name="connsiteX0" fmla="*/ 0 w 2941782"/>
-              <a:gd name="connsiteY0" fmla="*/ 0 h 798946"/>
-              <a:gd name="connsiteX1" fmla="*/ 2941782 w 2941782"/>
-              <a:gd name="connsiteY1" fmla="*/ 798946 h 798946"/>
-              <a:gd name="connsiteX0" fmla="*/ 0 w 2941782"/>
-              <a:gd name="connsiteY0" fmla="*/ 0 h 798946"/>
-              <a:gd name="connsiteX1" fmla="*/ 2941782 w 2941782"/>
-              <a:gd name="connsiteY1" fmla="*/ 798946 h 798946"/>
-              <a:gd name="connsiteX0" fmla="*/ 0 w 2941782"/>
-              <a:gd name="connsiteY0" fmla="*/ 0 h 798946"/>
-              <a:gd name="connsiteX1" fmla="*/ 2941782 w 2941782"/>
-              <a:gd name="connsiteY1" fmla="*/ 798946 h 798946"/>
-            </a:gdLst>
-            <a:ahLst/>
-            <a:cxnLst>
-              <a:cxn ang="0">
-                <a:pos x="connsiteX0" y="connsiteY0"/>
-              </a:cxn>
-              <a:cxn ang="0">
-                <a:pos x="connsiteX1" y="connsiteY1"/>
-              </a:cxn>
-            </a:cxnLst>
-            <a:rect l="l" t="t" r="r" b="b"/>
-            <a:pathLst>
-              <a:path w="2941782" h="798946">
-                <a:moveTo>
-                  <a:pt x="0" y="0"/>
-                </a:moveTo>
-                <a:cubicBezTo>
-                  <a:pt x="829348" y="492693"/>
-                  <a:pt x="1923725" y="712347"/>
-                  <a:pt x="2941782" y="798946"/>
-                </a:cubicBezTo>
-              </a:path>
-            </a:pathLst>
-          </a:custGeom>
-          <a:noFill/>
-          <a:ln w="12700">
-            <a:solidFill>
-              <a:schemeClr val="bg1">
-                <a:lumMod val="50000"/>
-              </a:schemeClr>
-            </a:solidFill>
-            <a:prstDash val="sysDot"/>
-            <a:tailEnd type="triangle"/>
-          </a:ln>
-        </p:spPr>
-        <p:style>
-          <a:lnRef idx="2">
-            <a:schemeClr val="accent1">
-              <a:shade val="15000"/>
-            </a:schemeClr>
-          </a:lnRef>
-          <a:fillRef idx="1">
-            <a:schemeClr val="accent1"/>
-          </a:fillRef>
-          <a:effectRef idx="0">
-            <a:schemeClr val="accent1"/>
-          </a:effectRef>
-          <a:fontRef idx="minor">
-            <a:schemeClr val="lt1"/>
-          </a:fontRef>
-        </p:style>
-        <p:txBody>
-          <a:bodyPr rtlCol="0" anchor="ctr"/>
-          <a:lstStyle/>
-          <a:p>
-            <a:pPr algn="ctr"/>
-            <a:endParaRPr lang="en-GB"/>
           </a:p>
         </p:txBody>
       </p:sp>
@@ -6180,6 +5986,174 @@
           </a:fontRef>
         </p:style>
       </p:cxnSp>
+      <p:sp>
+        <p:nvSpPr>
+          <p:cNvPr id="19" name="Rectangle 18">
+            <a:extLst>
+              <a:ext uri="{FF2B5EF4-FFF2-40B4-BE49-F238E27FC236}">
+                <a16:creationId xmlns:a16="http://schemas.microsoft.com/office/drawing/2014/main" id="{0B5AD2B1-29D0-D501-40C1-A696F665DE07}"/>
+              </a:ext>
+            </a:extLst>
+          </p:cNvPr>
+          <p:cNvSpPr/>
+          <p:nvPr/>
+        </p:nvSpPr>
+        <p:spPr>
+          <a:xfrm>
+            <a:off x="9169788" y="3573071"/>
+            <a:ext cx="1046312" cy="520408"/>
+          </a:xfrm>
+          <a:prstGeom prst="rect">
+            <a:avLst/>
+          </a:prstGeom>
+          <a:solidFill>
+            <a:schemeClr val="tx1"/>
+          </a:solidFill>
+          <a:ln>
+            <a:noFill/>
+          </a:ln>
+        </p:spPr>
+        <p:style>
+          <a:lnRef idx="2">
+            <a:schemeClr val="accent1">
+              <a:shade val="15000"/>
+            </a:schemeClr>
+          </a:lnRef>
+          <a:fillRef idx="1">
+            <a:schemeClr val="accent1"/>
+          </a:fillRef>
+          <a:effectRef idx="0">
+            <a:schemeClr val="accent1"/>
+          </a:effectRef>
+          <a:fontRef idx="minor">
+            <a:schemeClr val="lt1"/>
+          </a:fontRef>
+        </p:style>
+        <p:txBody>
+          <a:bodyPr rtlCol="0" anchor="ctr"/>
+          <a:lstStyle/>
+          <a:p>
+            <a:pPr algn="ctr"/>
+            <a:r>
+              <a:rPr lang="en-US" sz="1400" dirty="0">
+                <a:solidFill>
+                  <a:schemeClr val="bg1"/>
+                </a:solidFill>
+              </a:rPr>
+              <a:t>LLM</a:t>
+            </a:r>
+          </a:p>
+          <a:p>
+            <a:pPr algn="ctr"/>
+            <a:r>
+              <a:rPr lang="en-US" sz="1100" dirty="0">
+                <a:solidFill>
+                  <a:srgbClr val="FFC000"/>
+                </a:solidFill>
+              </a:rPr>
+              <a:t>Ollama</a:t>
+            </a:r>
+            <a:endParaRPr lang="en-GB" sz="1400" dirty="0"/>
+          </a:p>
+        </p:txBody>
+      </p:sp>
+      <p:cxnSp>
+        <p:nvCxnSpPr>
+          <p:cNvPr id="20" name="Straight Arrow Connector 32">
+            <a:extLst>
+              <a:ext uri="{FF2B5EF4-FFF2-40B4-BE49-F238E27FC236}">
+                <a16:creationId xmlns:a16="http://schemas.microsoft.com/office/drawing/2014/main" id="{4326345F-32EF-DF5A-A94D-1DCF610273E4}"/>
+              </a:ext>
+            </a:extLst>
+          </p:cNvPr>
+          <p:cNvCxnSpPr>
+            <a:cxnSpLocks/>
+            <a:stCxn id="8" idx="3"/>
+            <a:endCxn id="19" idx="0"/>
+          </p:cNvCxnSpPr>
+          <p:nvPr/>
+        </p:nvCxnSpPr>
+        <p:spPr>
+          <a:xfrm>
+            <a:off x="8375305" y="3033299"/>
+            <a:ext cx="1317639" cy="539772"/>
+          </a:xfrm>
+          <a:prstGeom prst="bentConnector2">
+            <a:avLst/>
+          </a:prstGeom>
+          <a:ln>
+            <a:tailEnd type="triangle"/>
+          </a:ln>
+        </p:spPr>
+        <p:style>
+          <a:lnRef idx="2">
+            <a:schemeClr val="accent1"/>
+          </a:lnRef>
+          <a:fillRef idx="0">
+            <a:schemeClr val="accent1"/>
+          </a:fillRef>
+          <a:effectRef idx="1">
+            <a:schemeClr val="accent1"/>
+          </a:effectRef>
+          <a:fontRef idx="minor">
+            <a:schemeClr val="tx1"/>
+          </a:fontRef>
+        </p:style>
+      </p:cxnSp>
+      <p:sp>
+        <p:nvSpPr>
+          <p:cNvPr id="24" name="Flowchart: Decision 23">
+            <a:extLst>
+              <a:ext uri="{FF2B5EF4-FFF2-40B4-BE49-F238E27FC236}">
+                <a16:creationId xmlns:a16="http://schemas.microsoft.com/office/drawing/2014/main" id="{EE1BC7B6-86A0-6E07-78DD-4B7911F0D94F}"/>
+              </a:ext>
+            </a:extLst>
+          </p:cNvPr>
+          <p:cNvSpPr/>
+          <p:nvPr/>
+        </p:nvSpPr>
+        <p:spPr>
+          <a:xfrm>
+            <a:off x="9551570" y="2941927"/>
+            <a:ext cx="285158" cy="191056"/>
+          </a:xfrm>
+          <a:prstGeom prst="flowChartDecision">
+            <a:avLst/>
+          </a:prstGeom>
+          <a:solidFill>
+            <a:schemeClr val="bg1"/>
+          </a:solidFill>
+          <a:ln>
+            <a:solidFill>
+              <a:schemeClr val="accent1"/>
+            </a:solidFill>
+          </a:ln>
+        </p:spPr>
+        <p:style>
+          <a:lnRef idx="2">
+            <a:schemeClr val="accent1">
+              <a:shade val="15000"/>
+            </a:schemeClr>
+          </a:lnRef>
+          <a:fillRef idx="1">
+            <a:schemeClr val="accent1"/>
+          </a:fillRef>
+          <a:effectRef idx="0">
+            <a:schemeClr val="accent1"/>
+          </a:effectRef>
+          <a:fontRef idx="minor">
+            <a:schemeClr val="lt1"/>
+          </a:fontRef>
+        </p:style>
+        <p:txBody>
+          <a:bodyPr rtlCol="0" anchor="ctr"/>
+          <a:lstStyle/>
+          <a:p>
+            <a:pPr algn="ctr"/>
+            <a:endParaRPr lang="en-GB"/>
+          </a:p>
+        </p:txBody>
+      </p:sp>
     </p:spTree>
     <p:extLst>
       <p:ext uri="{BB962C8B-B14F-4D97-AF65-F5344CB8AC3E}">

--- a/docs/Architecture.pptx
+++ b/docs/Architecture.pptx
@@ -197,7 +197,7 @@
           <a:p>
             <a:fld id="{CD1234DD-D530-4088-9696-B76104080BA1}" type="datetimeFigureOut">
               <a:rPr lang="en-GB" smtClean="0"/>
-              <a:t>02/05/2024</a:t>
+              <a:t>28/05/2024</a:t>
             </a:fld>
             <a:endParaRPr lang="en-GB"/>
           </a:p>
@@ -698,7 +698,7 @@
           <a:p>
             <a:fld id="{EA1EA240-5E71-482C-8C15-5096EB54D635}" type="datetimeFigureOut">
               <a:rPr lang="en-GB" smtClean="0"/>
-              <a:t>02/05/2024</a:t>
+              <a:t>28/05/2024</a:t>
             </a:fld>
             <a:endParaRPr lang="en-GB"/>
           </a:p>
@@ -898,7 +898,7 @@
           <a:p>
             <a:fld id="{EA1EA240-5E71-482C-8C15-5096EB54D635}" type="datetimeFigureOut">
               <a:rPr lang="en-GB" smtClean="0"/>
-              <a:t>02/05/2024</a:t>
+              <a:t>28/05/2024</a:t>
             </a:fld>
             <a:endParaRPr lang="en-GB"/>
           </a:p>
@@ -1108,7 +1108,7 @@
           <a:p>
             <a:fld id="{EA1EA240-5E71-482C-8C15-5096EB54D635}" type="datetimeFigureOut">
               <a:rPr lang="en-GB" smtClean="0"/>
-              <a:t>02/05/2024</a:t>
+              <a:t>28/05/2024</a:t>
             </a:fld>
             <a:endParaRPr lang="en-GB"/>
           </a:p>
@@ -1308,7 +1308,7 @@
           <a:p>
             <a:fld id="{EA1EA240-5E71-482C-8C15-5096EB54D635}" type="datetimeFigureOut">
               <a:rPr lang="en-GB" smtClean="0"/>
-              <a:t>02/05/2024</a:t>
+              <a:t>28/05/2024</a:t>
             </a:fld>
             <a:endParaRPr lang="en-GB"/>
           </a:p>
@@ -1584,7 +1584,7 @@
           <a:p>
             <a:fld id="{EA1EA240-5E71-482C-8C15-5096EB54D635}" type="datetimeFigureOut">
               <a:rPr lang="en-GB" smtClean="0"/>
-              <a:t>02/05/2024</a:t>
+              <a:t>28/05/2024</a:t>
             </a:fld>
             <a:endParaRPr lang="en-GB"/>
           </a:p>
@@ -1852,7 +1852,7 @@
           <a:p>
             <a:fld id="{EA1EA240-5E71-482C-8C15-5096EB54D635}" type="datetimeFigureOut">
               <a:rPr lang="en-GB" smtClean="0"/>
-              <a:t>02/05/2024</a:t>
+              <a:t>28/05/2024</a:t>
             </a:fld>
             <a:endParaRPr lang="en-GB"/>
           </a:p>
@@ -2267,7 +2267,7 @@
           <a:p>
             <a:fld id="{EA1EA240-5E71-482C-8C15-5096EB54D635}" type="datetimeFigureOut">
               <a:rPr lang="en-GB" smtClean="0"/>
-              <a:t>02/05/2024</a:t>
+              <a:t>28/05/2024</a:t>
             </a:fld>
             <a:endParaRPr lang="en-GB"/>
           </a:p>
@@ -2409,7 +2409,7 @@
           <a:p>
             <a:fld id="{EA1EA240-5E71-482C-8C15-5096EB54D635}" type="datetimeFigureOut">
               <a:rPr lang="en-GB" smtClean="0"/>
-              <a:t>02/05/2024</a:t>
+              <a:t>28/05/2024</a:t>
             </a:fld>
             <a:endParaRPr lang="en-GB"/>
           </a:p>
@@ -2522,7 +2522,7 @@
           <a:p>
             <a:fld id="{EA1EA240-5E71-482C-8C15-5096EB54D635}" type="datetimeFigureOut">
               <a:rPr lang="en-GB" smtClean="0"/>
-              <a:t>02/05/2024</a:t>
+              <a:t>28/05/2024</a:t>
             </a:fld>
             <a:endParaRPr lang="en-GB"/>
           </a:p>
@@ -2835,7 +2835,7 @@
           <a:p>
             <a:fld id="{EA1EA240-5E71-482C-8C15-5096EB54D635}" type="datetimeFigureOut">
               <a:rPr lang="en-GB" smtClean="0"/>
-              <a:t>02/05/2024</a:t>
+              <a:t>28/05/2024</a:t>
             </a:fld>
             <a:endParaRPr lang="en-GB"/>
           </a:p>
@@ -3124,7 +3124,7 @@
           <a:p>
             <a:fld id="{EA1EA240-5E71-482C-8C15-5096EB54D635}" type="datetimeFigureOut">
               <a:rPr lang="en-GB" smtClean="0"/>
-              <a:t>02/05/2024</a:t>
+              <a:t>28/05/2024</a:t>
             </a:fld>
             <a:endParaRPr lang="en-GB"/>
           </a:p>
@@ -3367,7 +3367,7 @@
           <a:p>
             <a:fld id="{EA1EA240-5E71-482C-8C15-5096EB54D635}" type="datetimeFigureOut">
               <a:rPr lang="en-GB" smtClean="0"/>
-              <a:t>02/05/2024</a:t>
+              <a:t>28/05/2024</a:t>
             </a:fld>
             <a:endParaRPr lang="en-GB"/>
           </a:p>
@@ -6151,6 +6151,73 @@
           <a:p>
             <a:pPr algn="ctr"/>
             <a:endParaRPr lang="en-GB"/>
+          </a:p>
+        </p:txBody>
+      </p:sp>
+      <p:sp>
+        <p:nvSpPr>
+          <p:cNvPr id="2" name="Rectangle 1">
+            <a:extLst>
+              <a:ext uri="{FF2B5EF4-FFF2-40B4-BE49-F238E27FC236}">
+                <a16:creationId xmlns:a16="http://schemas.microsoft.com/office/drawing/2014/main" id="{F20093F7-CB06-AC84-D977-C897D323B42A}"/>
+              </a:ext>
+            </a:extLst>
+          </p:cNvPr>
+          <p:cNvSpPr/>
+          <p:nvPr/>
+        </p:nvSpPr>
+        <p:spPr>
+          <a:xfrm>
+            <a:off x="5271617" y="4216176"/>
+            <a:ext cx="1029621" cy="548638"/>
+          </a:xfrm>
+          <a:prstGeom prst="rect">
+            <a:avLst/>
+          </a:prstGeom>
+          <a:solidFill>
+            <a:schemeClr val="tx1">
+              <a:lumMod val="65000"/>
+              <a:lumOff val="35000"/>
+            </a:schemeClr>
+          </a:solidFill>
+          <a:ln>
+            <a:noFill/>
+          </a:ln>
+        </p:spPr>
+        <p:style>
+          <a:lnRef idx="2">
+            <a:schemeClr val="accent1">
+              <a:shade val="15000"/>
+            </a:schemeClr>
+          </a:lnRef>
+          <a:fillRef idx="1">
+            <a:schemeClr val="accent1"/>
+          </a:fillRef>
+          <a:effectRef idx="0">
+            <a:schemeClr val="accent1"/>
+          </a:effectRef>
+          <a:fontRef idx="minor">
+            <a:schemeClr val="lt1"/>
+          </a:fontRef>
+        </p:style>
+        <p:txBody>
+          <a:bodyPr rtlCol="0" anchor="ctr"/>
+          <a:lstStyle/>
+          <a:p>
+            <a:pPr algn="ctr"/>
+            <a:r>
+              <a:rPr lang="en-US" sz="1400" dirty="0">
+                <a:solidFill>
+                  <a:schemeClr val="bg1"/>
+                </a:solidFill>
+              </a:rPr>
+              <a:t>Redis pub/sub</a:t>
+            </a:r>
+            <a:endParaRPr lang="en-GB" sz="1400" dirty="0">
+              <a:solidFill>
+                <a:schemeClr val="bg1"/>
+              </a:solidFill>
+            </a:endParaRPr>
           </a:p>
         </p:txBody>
       </p:sp>

--- a/docs/Architecture.pptx
+++ b/docs/Architecture.pptx
@@ -197,7 +197,7 @@
           <a:p>
             <a:fld id="{CD1234DD-D530-4088-9696-B76104080BA1}" type="datetimeFigureOut">
               <a:rPr lang="en-GB" smtClean="0"/>
-              <a:t>28/05/2024</a:t>
+              <a:t>20/08/2024</a:t>
             </a:fld>
             <a:endParaRPr lang="en-GB"/>
           </a:p>
@@ -698,7 +698,7 @@
           <a:p>
             <a:fld id="{EA1EA240-5E71-482C-8C15-5096EB54D635}" type="datetimeFigureOut">
               <a:rPr lang="en-GB" smtClean="0"/>
-              <a:t>28/05/2024</a:t>
+              <a:t>20/08/2024</a:t>
             </a:fld>
             <a:endParaRPr lang="en-GB"/>
           </a:p>
@@ -898,7 +898,7 @@
           <a:p>
             <a:fld id="{EA1EA240-5E71-482C-8C15-5096EB54D635}" type="datetimeFigureOut">
               <a:rPr lang="en-GB" smtClean="0"/>
-              <a:t>28/05/2024</a:t>
+              <a:t>20/08/2024</a:t>
             </a:fld>
             <a:endParaRPr lang="en-GB"/>
           </a:p>
@@ -1108,7 +1108,7 @@
           <a:p>
             <a:fld id="{EA1EA240-5E71-482C-8C15-5096EB54D635}" type="datetimeFigureOut">
               <a:rPr lang="en-GB" smtClean="0"/>
-              <a:t>28/05/2024</a:t>
+              <a:t>20/08/2024</a:t>
             </a:fld>
             <a:endParaRPr lang="en-GB"/>
           </a:p>
@@ -1308,7 +1308,7 @@
           <a:p>
             <a:fld id="{EA1EA240-5E71-482C-8C15-5096EB54D635}" type="datetimeFigureOut">
               <a:rPr lang="en-GB" smtClean="0"/>
-              <a:t>28/05/2024</a:t>
+              <a:t>20/08/2024</a:t>
             </a:fld>
             <a:endParaRPr lang="en-GB"/>
           </a:p>
@@ -1584,7 +1584,7 @@
           <a:p>
             <a:fld id="{EA1EA240-5E71-482C-8C15-5096EB54D635}" type="datetimeFigureOut">
               <a:rPr lang="en-GB" smtClean="0"/>
-              <a:t>28/05/2024</a:t>
+              <a:t>20/08/2024</a:t>
             </a:fld>
             <a:endParaRPr lang="en-GB"/>
           </a:p>
@@ -1852,7 +1852,7 @@
           <a:p>
             <a:fld id="{EA1EA240-5E71-482C-8C15-5096EB54D635}" type="datetimeFigureOut">
               <a:rPr lang="en-GB" smtClean="0"/>
-              <a:t>28/05/2024</a:t>
+              <a:t>20/08/2024</a:t>
             </a:fld>
             <a:endParaRPr lang="en-GB"/>
           </a:p>
@@ -2267,7 +2267,7 @@
           <a:p>
             <a:fld id="{EA1EA240-5E71-482C-8C15-5096EB54D635}" type="datetimeFigureOut">
               <a:rPr lang="en-GB" smtClean="0"/>
-              <a:t>28/05/2024</a:t>
+              <a:t>20/08/2024</a:t>
             </a:fld>
             <a:endParaRPr lang="en-GB"/>
           </a:p>
@@ -2409,7 +2409,7 @@
           <a:p>
             <a:fld id="{EA1EA240-5E71-482C-8C15-5096EB54D635}" type="datetimeFigureOut">
               <a:rPr lang="en-GB" smtClean="0"/>
-              <a:t>28/05/2024</a:t>
+              <a:t>20/08/2024</a:t>
             </a:fld>
             <a:endParaRPr lang="en-GB"/>
           </a:p>
@@ -2522,7 +2522,7 @@
           <a:p>
             <a:fld id="{EA1EA240-5E71-482C-8C15-5096EB54D635}" type="datetimeFigureOut">
               <a:rPr lang="en-GB" smtClean="0"/>
-              <a:t>28/05/2024</a:t>
+              <a:t>20/08/2024</a:t>
             </a:fld>
             <a:endParaRPr lang="en-GB"/>
           </a:p>
@@ -2835,7 +2835,7 @@
           <a:p>
             <a:fld id="{EA1EA240-5E71-482C-8C15-5096EB54D635}" type="datetimeFigureOut">
               <a:rPr lang="en-GB" smtClean="0"/>
-              <a:t>28/05/2024</a:t>
+              <a:t>20/08/2024</a:t>
             </a:fld>
             <a:endParaRPr lang="en-GB"/>
           </a:p>
@@ -3124,7 +3124,7 @@
           <a:p>
             <a:fld id="{EA1EA240-5E71-482C-8C15-5096EB54D635}" type="datetimeFigureOut">
               <a:rPr lang="en-GB" smtClean="0"/>
-              <a:t>28/05/2024</a:t>
+              <a:t>20/08/2024</a:t>
             </a:fld>
             <a:endParaRPr lang="en-GB"/>
           </a:p>
@@ -3367,7 +3367,7 @@
           <a:p>
             <a:fld id="{EA1EA240-5E71-482C-8C15-5096EB54D635}" type="datetimeFigureOut">
               <a:rPr lang="en-GB" smtClean="0"/>
-              <a:t>28/05/2024</a:t>
+              <a:t>20/08/2024</a:t>
             </a:fld>
             <a:endParaRPr lang="en-GB"/>
           </a:p>
@@ -3798,8 +3798,8 @@
         </p:nvSpPr>
         <p:spPr>
           <a:xfrm>
-            <a:off x="381700" y="1370728"/>
-            <a:ext cx="4366748" cy="3005093"/>
+            <a:off x="381700" y="1763486"/>
+            <a:ext cx="4366748" cy="2612335"/>
           </a:xfrm>
           <a:prstGeom prst="roundRect">
             <a:avLst>
@@ -4129,12 +4129,12 @@
           <a:p>
             <a:pPr algn="ctr"/>
             <a:r>
-              <a:rPr lang="en-US" sz="1100" dirty="0">
+              <a:rPr lang="en-US" sz="1100" dirty="0" err="1">
                 <a:solidFill>
                   <a:srgbClr val="FFC000"/>
                 </a:solidFill>
               </a:rPr>
-              <a:t>milvus?</a:t>
+              <a:t>Qdrant</a:t>
             </a:r>
             <a:endParaRPr lang="en-GB" sz="1100" dirty="0">
               <a:solidFill>
@@ -4370,6 +4370,20 @@
           <a:prstGeom prst="rect">
             <a:avLst/>
           </a:prstGeom>
+          <a:solidFill>
+            <a:schemeClr val="accent1">
+              <a:alpha val="50000"/>
+            </a:schemeClr>
+          </a:solidFill>
+          <a:ln>
+            <a:solidFill>
+              <a:schemeClr val="accent1">
+                <a:shade val="15000"/>
+                <a:alpha val="76000"/>
+              </a:schemeClr>
+            </a:solidFill>
+            <a:prstDash val="sysDash"/>
+          </a:ln>
         </p:spPr>
         <p:style>
           <a:lnRef idx="2">
@@ -4526,6 +4540,7 @@
             </a:avLst>
           </a:prstGeom>
           <a:ln>
+            <a:prstDash val="dash"/>
             <a:headEnd type="triangle"/>
             <a:tailEnd type="triangle"/>
           </a:ln>
@@ -5019,123 +5034,6 @@
             <a:avLst>
               <a:gd name="adj1" fmla="val 50000"/>
             </a:avLst>
-          </a:prstGeom>
-          <a:ln>
-            <a:tailEnd type="triangle"/>
-          </a:ln>
-        </p:spPr>
-        <p:style>
-          <a:lnRef idx="2">
-            <a:schemeClr val="accent1"/>
-          </a:lnRef>
-          <a:fillRef idx="0">
-            <a:schemeClr val="accent1"/>
-          </a:fillRef>
-          <a:effectRef idx="1">
-            <a:schemeClr val="accent1"/>
-          </a:effectRef>
-          <a:fontRef idx="minor">
-            <a:schemeClr val="tx1"/>
-          </a:fontRef>
-        </p:style>
-      </p:cxnSp>
-      <p:sp>
-        <p:nvSpPr>
-          <p:cNvPr id="102" name="Rectangle 101">
-            <a:extLst>
-              <a:ext uri="{FF2B5EF4-FFF2-40B4-BE49-F238E27FC236}">
-                <a16:creationId xmlns:a16="http://schemas.microsoft.com/office/drawing/2014/main" id="{B64D8FBC-AEA1-D62C-C03A-05AA3FBE579C}"/>
-              </a:ext>
-            </a:extLst>
-          </p:cNvPr>
-          <p:cNvSpPr/>
-          <p:nvPr/>
-        </p:nvSpPr>
-        <p:spPr>
-          <a:xfrm>
-            <a:off x="3336175" y="1573802"/>
-            <a:ext cx="1171874" cy="450920"/>
-          </a:xfrm>
-          <a:prstGeom prst="rect">
-            <a:avLst/>
-          </a:prstGeom>
-          <a:solidFill>
-            <a:schemeClr val="accent3">
-              <a:lumMod val="75000"/>
-            </a:schemeClr>
-          </a:solidFill>
-          <a:ln>
-            <a:noFill/>
-          </a:ln>
-        </p:spPr>
-        <p:style>
-          <a:lnRef idx="2">
-            <a:schemeClr val="accent1">
-              <a:shade val="15000"/>
-            </a:schemeClr>
-          </a:lnRef>
-          <a:fillRef idx="1">
-            <a:schemeClr val="accent1"/>
-          </a:fillRef>
-          <a:effectRef idx="0">
-            <a:schemeClr val="accent1"/>
-          </a:effectRef>
-          <a:fontRef idx="minor">
-            <a:schemeClr val="lt1"/>
-          </a:fontRef>
-        </p:style>
-        <p:txBody>
-          <a:bodyPr rtlCol="0" anchor="ctr"/>
-          <a:lstStyle/>
-          <a:p>
-            <a:pPr algn="ctr"/>
-            <a:r>
-              <a:rPr lang="en-US" sz="1400" dirty="0"/>
-              <a:t>PDF parser</a:t>
-            </a:r>
-            <a:endParaRPr lang="en-US" sz="1400" dirty="0">
-              <a:solidFill>
-                <a:srgbClr val="FFC000"/>
-              </a:solidFill>
-            </a:endParaRPr>
-          </a:p>
-          <a:p>
-            <a:pPr algn="ctr"/>
-            <a:r>
-              <a:rPr lang="en-US" sz="1100" dirty="0">
-                <a:solidFill>
-                  <a:srgbClr val="FFC000"/>
-                </a:solidFill>
-              </a:rPr>
-              <a:t>Tika</a:t>
-            </a:r>
-            <a:endParaRPr lang="en-GB" sz="1100" dirty="0"/>
-          </a:p>
-        </p:txBody>
-      </p:sp>
-      <p:cxnSp>
-        <p:nvCxnSpPr>
-          <p:cNvPr id="103" name="Straight Arrow Connector 102">
-            <a:extLst>
-              <a:ext uri="{FF2B5EF4-FFF2-40B4-BE49-F238E27FC236}">
-                <a16:creationId xmlns:a16="http://schemas.microsoft.com/office/drawing/2014/main" id="{DD847230-EDE9-F4D2-3FDC-7A9F8C31D45D}"/>
-              </a:ext>
-            </a:extLst>
-          </p:cNvPr>
-          <p:cNvCxnSpPr>
-            <a:cxnSpLocks/>
-            <a:stCxn id="49" idx="0"/>
-            <a:endCxn id="102" idx="2"/>
-          </p:cNvCxnSpPr>
-          <p:nvPr/>
-        </p:nvCxnSpPr>
-        <p:spPr>
-          <a:xfrm flipV="1">
-            <a:off x="3922112" y="2024722"/>
-            <a:ext cx="0" cy="180117"/>
-          </a:xfrm>
-          <a:prstGeom prst="straightConnector1">
-            <a:avLst/>
           </a:prstGeom>
           <a:ln>
             <a:tailEnd type="triangle"/>
@@ -6218,6 +6116,126 @@
                 <a:schemeClr val="bg1"/>
               </a:solidFill>
             </a:endParaRPr>
+          </a:p>
+        </p:txBody>
+      </p:sp>
+      <p:sp>
+        <p:nvSpPr>
+          <p:cNvPr id="9" name="TextBox 8">
+            <a:extLst>
+              <a:ext uri="{FF2B5EF4-FFF2-40B4-BE49-F238E27FC236}">
+                <a16:creationId xmlns:a16="http://schemas.microsoft.com/office/drawing/2014/main" id="{74D9567E-7677-1403-8345-22F27D2D2571}"/>
+              </a:ext>
+            </a:extLst>
+          </p:cNvPr>
+          <p:cNvSpPr txBox="1"/>
+          <p:nvPr/>
+        </p:nvSpPr>
+        <p:spPr>
+          <a:xfrm>
+            <a:off x="9646877" y="3198168"/>
+            <a:ext cx="746839" cy="230832"/>
+          </a:xfrm>
+          <a:prstGeom prst="rect">
+            <a:avLst/>
+          </a:prstGeom>
+          <a:noFill/>
+        </p:spPr>
+        <p:txBody>
+          <a:bodyPr wrap="square">
+            <a:spAutoFit/>
+          </a:bodyPr>
+          <a:lstStyle/>
+          <a:p>
+            <a:r>
+              <a:rPr lang="en-US" sz="900" dirty="0">
+                <a:solidFill>
+                  <a:schemeClr val="tx1"/>
+                </a:solidFill>
+              </a:rPr>
+              <a:t>(default)</a:t>
+            </a:r>
+            <a:endParaRPr lang="en-GB" sz="900" dirty="0"/>
+          </a:p>
+        </p:txBody>
+      </p:sp>
+      <p:sp>
+        <p:nvSpPr>
+          <p:cNvPr id="10" name="TextBox 9">
+            <a:extLst>
+              <a:ext uri="{FF2B5EF4-FFF2-40B4-BE49-F238E27FC236}">
+                <a16:creationId xmlns:a16="http://schemas.microsoft.com/office/drawing/2014/main" id="{2E86DCBE-15A9-85FA-2510-3D25D5BD6E5B}"/>
+              </a:ext>
+            </a:extLst>
+          </p:cNvPr>
+          <p:cNvSpPr txBox="1"/>
+          <p:nvPr/>
+        </p:nvSpPr>
+        <p:spPr>
+          <a:xfrm>
+            <a:off x="9752230" y="2822915"/>
+            <a:ext cx="746839" cy="230832"/>
+          </a:xfrm>
+          <a:prstGeom prst="rect">
+            <a:avLst/>
+          </a:prstGeom>
+          <a:noFill/>
+        </p:spPr>
+        <p:txBody>
+          <a:bodyPr wrap="square">
+            <a:spAutoFit/>
+          </a:bodyPr>
+          <a:lstStyle/>
+          <a:p>
+            <a:r>
+              <a:rPr lang="en-US" sz="900" dirty="0">
+                <a:solidFill>
+                  <a:schemeClr val="tx1"/>
+                </a:solidFill>
+              </a:rPr>
+              <a:t>(optional)</a:t>
+            </a:r>
+            <a:endParaRPr lang="en-GB" sz="900" dirty="0"/>
+          </a:p>
+        </p:txBody>
+      </p:sp>
+      <p:sp>
+        <p:nvSpPr>
+          <p:cNvPr id="11" name="TextBox 10">
+            <a:extLst>
+              <a:ext uri="{FF2B5EF4-FFF2-40B4-BE49-F238E27FC236}">
+                <a16:creationId xmlns:a16="http://schemas.microsoft.com/office/drawing/2014/main" id="{6D7B7896-609B-018B-E577-E883D9C7CC42}"/>
+              </a:ext>
+            </a:extLst>
+          </p:cNvPr>
+          <p:cNvSpPr txBox="1"/>
+          <p:nvPr/>
+        </p:nvSpPr>
+        <p:spPr>
+          <a:xfrm>
+            <a:off x="7849190" y="2351940"/>
+            <a:ext cx="1797687" cy="230832"/>
+          </a:xfrm>
+          <a:prstGeom prst="rect">
+            <a:avLst/>
+          </a:prstGeom>
+          <a:noFill/>
+        </p:spPr>
+        <p:txBody>
+          <a:bodyPr wrap="square">
+            <a:spAutoFit/>
+          </a:bodyPr>
+          <a:lstStyle/>
+          <a:p>
+            <a:r>
+              <a:rPr lang="en-US" sz="900" dirty="0">
+                <a:solidFill>
+                  <a:schemeClr val="tx1"/>
+                </a:solidFill>
+              </a:rPr>
+              <a:t>(possible future extension)</a:t>
+            </a:r>
+            <a:endParaRPr lang="en-GB" sz="900" dirty="0"/>
           </a:p>
         </p:txBody>
       </p:sp>
